--- a/wood_log_splitter.pptx
+++ b/wood_log_splitter.pptx
@@ -6,9 +6,10 @@
   </p:sldMasterIdLst>
   <p:sldIdLst>
     <p:sldId id="261" r:id="rId2"/>
-    <p:sldId id="262" r:id="rId3"/>
-    <p:sldId id="267" r:id="rId4"/>
-    <p:sldId id="263" r:id="rId5"/>
+    <p:sldId id="268" r:id="rId3"/>
+    <p:sldId id="262" r:id="rId4"/>
+    <p:sldId id="267" r:id="rId5"/>
+    <p:sldId id="263" r:id="rId6"/>
   </p:sldIdLst>
   <p:sldSz cx="12192000" cy="6858000"/>
   <p:notesSz cx="6858000" cy="9144000"/>
@@ -261,7 +262,7 @@
           <a:lstStyle/>
           <a:p>
             <a:fld id="{5F491023-0B0A-7041-9F06-D25A50EF063B}" type="datetimeFigureOut">
-              <a:t>12/5/22</a:t>
+              <a:t>11/23/25</a:t>
             </a:fld>
             <a:endParaRPr lang="en-US"/>
           </a:p>
@@ -457,7 +458,7 @@
           <a:lstStyle/>
           <a:p>
             <a:fld id="{5F491023-0B0A-7041-9F06-D25A50EF063B}" type="datetimeFigureOut">
-              <a:t>12/5/22</a:t>
+              <a:t>11/23/25</a:t>
             </a:fld>
             <a:endParaRPr lang="en-US"/>
           </a:p>
@@ -663,7 +664,7 @@
           <a:lstStyle/>
           <a:p>
             <a:fld id="{5F491023-0B0A-7041-9F06-D25A50EF063B}" type="datetimeFigureOut">
-              <a:t>12/5/22</a:t>
+              <a:t>11/23/25</a:t>
             </a:fld>
             <a:endParaRPr lang="en-US"/>
           </a:p>
@@ -859,7 +860,7 @@
           <a:lstStyle/>
           <a:p>
             <a:fld id="{5F491023-0B0A-7041-9F06-D25A50EF063B}" type="datetimeFigureOut">
-              <a:t>12/5/22</a:t>
+              <a:t>11/23/25</a:t>
             </a:fld>
             <a:endParaRPr lang="en-US"/>
           </a:p>
@@ -1132,7 +1133,7 @@
           <a:lstStyle/>
           <a:p>
             <a:fld id="{5F491023-0B0A-7041-9F06-D25A50EF063B}" type="datetimeFigureOut">
-              <a:t>12/5/22</a:t>
+              <a:t>11/23/25</a:t>
             </a:fld>
             <a:endParaRPr lang="en-US"/>
           </a:p>
@@ -1395,7 +1396,7 @@
           <a:lstStyle/>
           <a:p>
             <a:fld id="{5F491023-0B0A-7041-9F06-D25A50EF063B}" type="datetimeFigureOut">
-              <a:t>12/5/22</a:t>
+              <a:t>11/23/25</a:t>
             </a:fld>
             <a:endParaRPr lang="en-US"/>
           </a:p>
@@ -1805,7 +1806,7 @@
           <a:lstStyle/>
           <a:p>
             <a:fld id="{5F491023-0B0A-7041-9F06-D25A50EF063B}" type="datetimeFigureOut">
-              <a:t>12/5/22</a:t>
+              <a:t>11/23/25</a:t>
             </a:fld>
             <a:endParaRPr lang="en-US"/>
           </a:p>
@@ -1944,7 +1945,7 @@
           <a:lstStyle/>
           <a:p>
             <a:fld id="{5F491023-0B0A-7041-9F06-D25A50EF063B}" type="datetimeFigureOut">
-              <a:t>12/5/22</a:t>
+              <a:t>11/23/25</a:t>
             </a:fld>
             <a:endParaRPr lang="en-US"/>
           </a:p>
@@ -2055,7 +2056,7 @@
           <a:lstStyle/>
           <a:p>
             <a:fld id="{5F491023-0B0A-7041-9F06-D25A50EF063B}" type="datetimeFigureOut">
-              <a:t>12/5/22</a:t>
+              <a:t>11/23/25</a:t>
             </a:fld>
             <a:endParaRPr lang="en-US"/>
           </a:p>
@@ -2364,7 +2365,7 @@
           <a:lstStyle/>
           <a:p>
             <a:fld id="{5F491023-0B0A-7041-9F06-D25A50EF063B}" type="datetimeFigureOut">
-              <a:t>12/5/22</a:t>
+              <a:t>11/23/25</a:t>
             </a:fld>
             <a:endParaRPr lang="en-US"/>
           </a:p>
@@ -2650,7 +2651,7 @@
           <a:lstStyle/>
           <a:p>
             <a:fld id="{5F491023-0B0A-7041-9F06-D25A50EF063B}" type="datetimeFigureOut">
-              <a:t>12/5/22</a:t>
+              <a:t>11/23/25</a:t>
             </a:fld>
             <a:endParaRPr lang="en-US"/>
           </a:p>
@@ -2889,7 +2890,7 @@
           </a:lstStyle>
           <a:p>
             <a:fld id="{5F491023-0B0A-7041-9F06-D25A50EF063B}" type="datetimeFigureOut">
-              <a:t>12/5/22</a:t>
+              <a:t>11/23/25</a:t>
             </a:fld>
             <a:endParaRPr lang="en-US"/>
           </a:p>
@@ -3319,8 +3320,8 @@
         </p:nvSpPr>
         <p:spPr>
           <a:xfrm>
-            <a:off x="4368904" y="1003827"/>
-            <a:ext cx="3454192" cy="1446550"/>
+            <a:off x="82880" y="158414"/>
+            <a:ext cx="4524172" cy="695575"/>
           </a:xfrm>
           <a:prstGeom prst="rect">
             <a:avLst/>
@@ -3328,14 +3329,14 @@
           <a:noFill/>
         </p:spPr>
         <p:txBody>
-          <a:bodyPr wrap="square" rtlCol="0">
+          <a:bodyPr wrap="square" lIns="9144" tIns="9144" rIns="9144" bIns="9144" rtlCol="0" anchor="ctr" anchorCtr="0">
             <a:spAutoFit/>
           </a:bodyPr>
           <a:lstStyle/>
           <a:p>
             <a:pPr algn="ctr"/>
             <a:r>
-              <a:rPr lang="en-US" sz="4400" b="1">
+              <a:rPr lang="en-US" sz="4400" b="1" dirty="0">
                 <a:solidFill>
                   <a:srgbClr val="00B0F0"/>
                 </a:solidFill>
@@ -3359,8 +3360,8 @@
         </p:nvSpPr>
         <p:spPr>
           <a:xfrm>
-            <a:off x="10072863" y="5115509"/>
-            <a:ext cx="1169796" cy="738664"/>
+            <a:off x="2162760" y="4120109"/>
+            <a:ext cx="2444292" cy="307777"/>
           </a:xfrm>
           <a:prstGeom prst="rect">
             <a:avLst/>
@@ -3374,14 +3375,8 @@
           <a:lstStyle/>
           <a:p>
             <a:r>
-              <a:rPr lang="en-US" sz="1400"/>
-              <a:t>34 tons, </a:t>
-            </a:r>
-          </a:p>
-          <a:p>
-            <a:r>
-              <a:rPr lang="en-US" sz="1400"/>
-              <a:t>gas engine, $1,900 new</a:t>
+              <a:rPr lang="en-US" sz="1400" dirty="0"/>
+              <a:t>34 tons, gas engine, $1,900</a:t>
             </a:r>
           </a:p>
         </p:txBody>
@@ -3414,7 +3409,7 @@
         </p:blipFill>
         <p:spPr>
           <a:xfrm>
-            <a:off x="9692302" y="3515799"/>
+            <a:off x="2058062" y="2743199"/>
             <a:ext cx="1930918" cy="1400007"/>
           </a:xfrm>
           <a:prstGeom prst="rect">
@@ -3436,7 +3431,7 @@
         </p:nvSpPr>
         <p:spPr>
           <a:xfrm>
-            <a:off x="190916" y="5330953"/>
+            <a:off x="82880" y="2214670"/>
             <a:ext cx="1958107" cy="523220"/>
           </a:xfrm>
           <a:prstGeom prst="rect">
@@ -3451,8 +3446,16 @@
           <a:lstStyle/>
           <a:p>
             <a:r>
-              <a:rPr lang="en-US" sz="1400"/>
-              <a:t>5 tons, electric, $45 on facebook marketplace</a:t>
+              <a:rPr lang="en-US" sz="1400" dirty="0"/>
+              <a:t>5 tons, electric, $45 on </a:t>
+            </a:r>
+            <a:r>
+              <a:rPr lang="en-US" sz="1400" dirty="0" err="1"/>
+              <a:t>facebook</a:t>
+            </a:r>
+            <a:r>
+              <a:rPr lang="en-US" sz="1400" dirty="0"/>
+              <a:t> marketplace</a:t>
             </a:r>
           </a:p>
         </p:txBody>
@@ -3485,7 +3488,7 @@
         </p:blipFill>
         <p:spPr>
           <a:xfrm>
-            <a:off x="568780" y="3515800"/>
+            <a:off x="281876" y="853989"/>
             <a:ext cx="1776186" cy="1400007"/>
           </a:xfrm>
           <a:prstGeom prst="rect">
@@ -3507,8 +3510,8 @@
         </p:nvSpPr>
         <p:spPr>
           <a:xfrm>
-            <a:off x="7590920" y="5028710"/>
-            <a:ext cx="1169796" cy="738664"/>
+            <a:off x="2434032" y="2214670"/>
+            <a:ext cx="2173020" cy="307777"/>
           </a:xfrm>
           <a:prstGeom prst="rect">
             <a:avLst/>
@@ -3522,20 +3525,8 @@
           <a:lstStyle/>
           <a:p>
             <a:r>
-              <a:rPr lang="en-US" sz="1400"/>
-              <a:t>22 tons, </a:t>
-            </a:r>
-          </a:p>
-          <a:p>
-            <a:r>
-              <a:rPr lang="en-US" sz="1400"/>
-              <a:t>electric</a:t>
-            </a:r>
-          </a:p>
-          <a:p>
-            <a:r>
-              <a:rPr lang="en-US" sz="1400"/>
-              <a:t>$2,850 new</a:t>
+              <a:rPr lang="en-US" sz="1400" dirty="0"/>
+              <a:t>22 tons, electric $2,850</a:t>
             </a:r>
           </a:p>
         </p:txBody>
@@ -3554,8 +3545,8 @@
         </p:nvSpPr>
         <p:spPr>
           <a:xfrm>
-            <a:off x="3904513" y="5228413"/>
-            <a:ext cx="1169796" cy="738664"/>
+            <a:off x="177958" y="4120109"/>
+            <a:ext cx="1740913" cy="307777"/>
           </a:xfrm>
           <a:prstGeom prst="rect">
             <a:avLst/>
@@ -3569,20 +3560,8 @@
           <a:lstStyle/>
           <a:p>
             <a:r>
-              <a:rPr lang="en-US" sz="1400"/>
-              <a:t>9 tons, </a:t>
-            </a:r>
-          </a:p>
-          <a:p>
-            <a:r>
-              <a:rPr lang="en-US" sz="1400"/>
-              <a:t>electric</a:t>
-            </a:r>
-          </a:p>
-          <a:p>
-            <a:r>
-              <a:rPr lang="en-US" sz="1400"/>
-              <a:t>$550 new</a:t>
+              <a:rPr lang="en-US" sz="1400" dirty="0"/>
+              <a:t>9 tons, electric $550</a:t>
             </a:r>
           </a:p>
         </p:txBody>
@@ -3615,7 +3594,7 @@
         </p:blipFill>
         <p:spPr>
           <a:xfrm>
-            <a:off x="3595629" y="3813137"/>
+            <a:off x="177958" y="2847521"/>
             <a:ext cx="1546550" cy="1162957"/>
           </a:xfrm>
           <a:prstGeom prst="rect">
@@ -3651,7 +3630,7 @@
         </p:blipFill>
         <p:spPr>
           <a:xfrm>
-            <a:off x="7049823" y="3813137"/>
+            <a:off x="2434032" y="1173732"/>
             <a:ext cx="1797050" cy="961715"/>
           </a:xfrm>
           <a:prstGeom prst="rect">
@@ -3659,6 +3638,68 @@
           </a:prstGeom>
         </p:spPr>
       </p:pic>
+      <p:sp>
+        <p:nvSpPr>
+          <p:cNvPr id="5" name="TextBox 4">
+            <a:extLst>
+              <a:ext uri="{FF2B5EF4-FFF2-40B4-BE49-F238E27FC236}">
+                <a16:creationId xmlns:a16="http://schemas.microsoft.com/office/drawing/2014/main" id="{3E5781FE-1DB8-E350-79D5-54C8C33802D6}"/>
+              </a:ext>
+            </a:extLst>
+          </p:cNvPr>
+          <p:cNvSpPr txBox="1"/>
+          <p:nvPr/>
+        </p:nvSpPr>
+        <p:spPr>
+          <a:xfrm>
+            <a:off x="6096000" y="645009"/>
+            <a:ext cx="5771712" cy="2893100"/>
+          </a:xfrm>
+          <a:prstGeom prst="rect">
+            <a:avLst/>
+          </a:prstGeom>
+          <a:noFill/>
+        </p:spPr>
+        <p:txBody>
+          <a:bodyPr wrap="square" rtlCol="0">
+            <a:spAutoFit/>
+          </a:bodyPr>
+          <a:lstStyle/>
+          <a:p>
+            <a:r>
+              <a:rPr lang="en-US" sz="1400" dirty="0"/>
+              <a:t>Firewood is traditionally cut to 16 inches because three pieces at this length equal 48 inches (4 feet), which perfectly fits the standard cord measurement of 4'x4'x8'.</a:t>
+            </a:r>
+          </a:p>
+          <a:p>
+            <a:endParaRPr lang="en-US" sz="1400" dirty="0"/>
+          </a:p>
+          <a:p>
+            <a:r>
+              <a:rPr lang="en-US" sz="1400" dirty="0"/>
+              <a:t>This 16-inch standard became universal because it fits virtually all residential wood stoves, splits and dries more efficiently than longer pieces, and simplifies volume calculations for buying and selling firewood.</a:t>
+            </a:r>
+          </a:p>
+          <a:p>
+            <a:endParaRPr lang="en-US" sz="1400" dirty="0"/>
+          </a:p>
+          <a:p>
+            <a:r>
+              <a:rPr lang="en-US" sz="1400" dirty="0"/>
+              <a:t>Most residential splitters use hydraulic cylinders with approximately 24-inch stroke lengths. The max length of the logs is a bit smaller (usually 20.5-inch).</a:t>
+            </a:r>
+          </a:p>
+          <a:p>
+            <a:endParaRPr lang="en-US" sz="1400" dirty="0"/>
+          </a:p>
+          <a:p>
+            <a:r>
+              <a:rPr lang="en-US" sz="1400" dirty="0"/>
+              <a:t>Larger commercial units that handle longer logs require correspondingly longer frames and heavier construction.</a:t>
+            </a:r>
+          </a:p>
+        </p:txBody>
+      </p:sp>
     </p:spTree>
     <p:extLst>
       <p:ext uri="{BB962C8B-B14F-4D97-AF65-F5344CB8AC3E}">
@@ -3677,7 +3718,13 @@
   <p:cSld>
     <p:spTree>
       <p:nvGrpSpPr>
-        <p:cNvPr id="1" name=""/>
+        <p:cNvPr id="1" name="">
+          <a:extLst>
+            <a:ext uri="{FF2B5EF4-FFF2-40B4-BE49-F238E27FC236}">
+              <a16:creationId xmlns:a16="http://schemas.microsoft.com/office/drawing/2014/main" id="{CE26D9D8-049F-E07E-FF56-6B41F2F6A874}"/>
+            </a:ext>
+          </a:extLst>
+        </p:cNvPr>
         <p:cNvGrpSpPr/>
         <p:nvPr/>
       </p:nvGrpSpPr>
@@ -3689,12 +3736,1641 @@
           <a:chExt cx="0" cy="0"/>
         </a:xfrm>
       </p:grpSpPr>
+      <p:graphicFrame>
+        <p:nvGraphicFramePr>
+          <p:cNvPr id="2" name="Table 1">
+            <a:extLst>
+              <a:ext uri="{FF2B5EF4-FFF2-40B4-BE49-F238E27FC236}">
+                <a16:creationId xmlns:a16="http://schemas.microsoft.com/office/drawing/2014/main" id="{600AE0D6-0488-053B-AB69-0CC2563AF52D}"/>
+              </a:ext>
+            </a:extLst>
+          </p:cNvPr>
+          <p:cNvGraphicFramePr>
+            <a:graphicFrameLocks noGrp="1"/>
+          </p:cNvGraphicFramePr>
+          <p:nvPr>
+            <p:extLst>
+              <p:ext uri="{D42A27DB-BD31-4B8C-83A1-F6EECF244321}">
+                <p14:modId xmlns:p14="http://schemas.microsoft.com/office/powerpoint/2010/main" val="1904089206"/>
+              </p:ext>
+            </p:extLst>
+          </p:nvPr>
+        </p:nvGraphicFramePr>
+        <p:xfrm>
+          <a:off x="355599" y="635001"/>
+          <a:ext cx="7044269" cy="4853007"/>
+        </p:xfrm>
+        <a:graphic>
+          <a:graphicData uri="http://schemas.openxmlformats.org/drawingml/2006/table">
+            <a:tbl>
+              <a:tblPr firstRow="1" bandRow="1">
+                <a:tableStyleId>{5940675A-B579-460E-94D1-54222C63F5DA}</a:tableStyleId>
+              </a:tblPr>
+              <a:tblGrid>
+                <a:gridCol w="2939885">
+                  <a:extLst>
+                    <a:ext uri="{9D8B030D-6E8A-4147-A177-3AD203B41FA5}">
+                      <a16:colId xmlns:a16="http://schemas.microsoft.com/office/drawing/2014/main" val="611815041"/>
+                    </a:ext>
+                  </a:extLst>
+                </a:gridCol>
+                <a:gridCol w="763607">
+                  <a:extLst>
+                    <a:ext uri="{9D8B030D-6E8A-4147-A177-3AD203B41FA5}">
+                      <a16:colId xmlns:a16="http://schemas.microsoft.com/office/drawing/2014/main" val="1045610948"/>
+                    </a:ext>
+                  </a:extLst>
+                </a:gridCol>
+                <a:gridCol w="744516">
+                  <a:extLst>
+                    <a:ext uri="{9D8B030D-6E8A-4147-A177-3AD203B41FA5}">
+                      <a16:colId xmlns:a16="http://schemas.microsoft.com/office/drawing/2014/main" val="1183527022"/>
+                    </a:ext>
+                  </a:extLst>
+                </a:gridCol>
+                <a:gridCol w="763606">
+                  <a:extLst>
+                    <a:ext uri="{9D8B030D-6E8A-4147-A177-3AD203B41FA5}">
+                      <a16:colId xmlns:a16="http://schemas.microsoft.com/office/drawing/2014/main" val="746862576"/>
+                    </a:ext>
+                  </a:extLst>
+                </a:gridCol>
+                <a:gridCol w="744516">
+                  <a:extLst>
+                    <a:ext uri="{9D8B030D-6E8A-4147-A177-3AD203B41FA5}">
+                      <a16:colId xmlns:a16="http://schemas.microsoft.com/office/drawing/2014/main" val="2134847549"/>
+                    </a:ext>
+                  </a:extLst>
+                </a:gridCol>
+                <a:gridCol w="1088139">
+                  <a:extLst>
+                    <a:ext uri="{9D8B030D-6E8A-4147-A177-3AD203B41FA5}">
+                      <a16:colId xmlns:a16="http://schemas.microsoft.com/office/drawing/2014/main" val="766747122"/>
+                    </a:ext>
+                  </a:extLst>
+                </a:gridCol>
+              </a:tblGrid>
+              <a:tr h="192587">
+                <a:tc>
+                  <a:txBody>
+                    <a:bodyPr/>
+                    <a:lstStyle/>
+                    <a:p>
+                      <a:r>
+                        <a:rPr lang="en-US" sz="1200" dirty="0">
+                          <a:latin typeface="Calibri" panose="020F0502020204030204" pitchFamily="34" charset="0"/>
+                          <a:cs typeface="Calibri" panose="020F0502020204030204" pitchFamily="34" charset="0"/>
+                        </a:rPr>
+                        <a:t>Model</a:t>
+                      </a:r>
+                    </a:p>
+                  </a:txBody>
+                  <a:tcPr/>
+                </a:tc>
+                <a:tc>
+                  <a:txBody>
+                    <a:bodyPr/>
+                    <a:lstStyle/>
+                    <a:p>
+                      <a:r>
+                        <a:rPr lang="en-US" sz="1200" dirty="0">
+                          <a:latin typeface="Calibri" panose="020F0502020204030204" pitchFamily="34" charset="0"/>
+                          <a:cs typeface="Calibri" panose="020F0502020204030204" pitchFamily="34" charset="0"/>
+                        </a:rPr>
+                        <a:t>Power</a:t>
+                      </a:r>
+                    </a:p>
+                  </a:txBody>
+                  <a:tcPr/>
+                </a:tc>
+                <a:tc>
+                  <a:txBody>
+                    <a:bodyPr/>
+                    <a:lstStyle/>
+                    <a:p>
+                      <a:r>
+                        <a:rPr lang="en-US" sz="1200" dirty="0">
+                          <a:latin typeface="Calibri" panose="020F0502020204030204" pitchFamily="34" charset="0"/>
+                          <a:cs typeface="Calibri" panose="020F0502020204030204" pitchFamily="34" charset="0"/>
+                        </a:rPr>
+                        <a:t>Force (tons)</a:t>
+                      </a:r>
+                    </a:p>
+                  </a:txBody>
+                  <a:tcPr/>
+                </a:tc>
+                <a:tc>
+                  <a:txBody>
+                    <a:bodyPr/>
+                    <a:lstStyle/>
+                    <a:p>
+                      <a:r>
+                        <a:rPr lang="en-US" sz="1200" dirty="0">
+                          <a:latin typeface="Calibri" panose="020F0502020204030204" pitchFamily="34" charset="0"/>
+                          <a:cs typeface="Calibri" panose="020F0502020204030204" pitchFamily="34" charset="0"/>
+                        </a:rPr>
+                        <a:t>Log length</a:t>
+                      </a:r>
+                    </a:p>
+                  </a:txBody>
+                  <a:tcPr/>
+                </a:tc>
+                <a:tc>
+                  <a:txBody>
+                    <a:bodyPr/>
+                    <a:lstStyle/>
+                    <a:p>
+                      <a:r>
+                        <a:rPr lang="en-US" sz="1200" dirty="0">
+                          <a:latin typeface="Calibri" panose="020F0502020204030204" pitchFamily="34" charset="0"/>
+                          <a:cs typeface="Calibri" panose="020F0502020204030204" pitchFamily="34" charset="0"/>
+                        </a:rPr>
+                        <a:t>Price</a:t>
+                      </a:r>
+                    </a:p>
+                  </a:txBody>
+                  <a:tcPr/>
+                </a:tc>
+                <a:tc>
+                  <a:txBody>
+                    <a:bodyPr/>
+                    <a:lstStyle/>
+                    <a:p>
+                      <a:r>
+                        <a:rPr lang="en-US" sz="1200" dirty="0">
+                          <a:latin typeface="Calibri" panose="020F0502020204030204" pitchFamily="34" charset="0"/>
+                          <a:cs typeface="Calibri" panose="020F0502020204030204" pitchFamily="34" charset="0"/>
+                        </a:rPr>
+                        <a:t>Horizontal / Vertical</a:t>
+                      </a:r>
+                    </a:p>
+                  </a:txBody>
+                  <a:tcPr/>
+                </a:tc>
+                <a:extLst>
+                  <a:ext uri="{0D108BD9-81ED-4DB2-BD59-A6C34878D82A}">
+                    <a16:rowId xmlns:a16="http://schemas.microsoft.com/office/drawing/2014/main" val="2351634043"/>
+                  </a:ext>
+                </a:extLst>
+              </a:tr>
+              <a:tr h="320979">
+                <a:tc>
+                  <a:txBody>
+                    <a:bodyPr/>
+                    <a:lstStyle/>
+                    <a:p>
+                      <a:r>
+                        <a:rPr lang="en-US" sz="1200" dirty="0">
+                          <a:latin typeface="Calibri" panose="020F0502020204030204" pitchFamily="34" charset="0"/>
+                          <a:ea typeface="Menlo" panose="020B0609030804020204" pitchFamily="49" charset="0"/>
+                          <a:cs typeface="Calibri" panose="020F0502020204030204" pitchFamily="34" charset="0"/>
+                        </a:rPr>
+                        <a:t>Champion Power Equipment 27-Ton Splitter </a:t>
+                      </a:r>
+                      <a:endParaRPr lang="en-US" sz="1200" dirty="0">
+                        <a:latin typeface="Calibri" panose="020F0502020204030204" pitchFamily="34" charset="0"/>
+                        <a:cs typeface="Calibri" panose="020F0502020204030204" pitchFamily="34" charset="0"/>
+                      </a:endParaRPr>
+                    </a:p>
+                  </a:txBody>
+                  <a:tcPr/>
+                </a:tc>
+                <a:tc>
+                  <a:txBody>
+                    <a:bodyPr/>
+                    <a:lstStyle/>
+                    <a:p>
+                      <a:r>
+                        <a:rPr lang="en-US" sz="1200" dirty="0">
+                          <a:latin typeface="Calibri" panose="020F0502020204030204" pitchFamily="34" charset="0"/>
+                          <a:cs typeface="Calibri" panose="020F0502020204030204" pitchFamily="34" charset="0"/>
+                        </a:rPr>
+                        <a:t>Gas</a:t>
+                      </a:r>
+                    </a:p>
+                  </a:txBody>
+                  <a:tcPr/>
+                </a:tc>
+                <a:tc>
+                  <a:txBody>
+                    <a:bodyPr/>
+                    <a:lstStyle/>
+                    <a:p>
+                      <a:r>
+                        <a:rPr lang="en-US" sz="1200" dirty="0">
+                          <a:latin typeface="Calibri" panose="020F0502020204030204" pitchFamily="34" charset="0"/>
+                          <a:cs typeface="Calibri" panose="020F0502020204030204" pitchFamily="34" charset="0"/>
+                        </a:rPr>
+                        <a:t>27</a:t>
+                      </a:r>
+                    </a:p>
+                  </a:txBody>
+                  <a:tcPr/>
+                </a:tc>
+                <a:tc>
+                  <a:txBody>
+                    <a:bodyPr/>
+                    <a:lstStyle/>
+                    <a:p>
+                      <a:r>
+                        <a:rPr lang="en-US" sz="1200" dirty="0">
+                          <a:latin typeface="Calibri" panose="020F0502020204030204" pitchFamily="34" charset="0"/>
+                          <a:cs typeface="Calibri" panose="020F0502020204030204" pitchFamily="34" charset="0"/>
+                        </a:rPr>
+                        <a:t>25"</a:t>
+                      </a:r>
+                    </a:p>
+                  </a:txBody>
+                  <a:tcPr/>
+                </a:tc>
+                <a:tc>
+                  <a:txBody>
+                    <a:bodyPr/>
+                    <a:lstStyle/>
+                    <a:p>
+                      <a:r>
+                        <a:rPr lang="en-US" sz="1200" dirty="0">
+                          <a:latin typeface="Calibri" panose="020F0502020204030204" pitchFamily="34" charset="0"/>
+                          <a:cs typeface="Calibri" panose="020F0502020204030204" pitchFamily="34" charset="0"/>
+                        </a:rPr>
+                        <a:t>$1.3K</a:t>
+                      </a:r>
+                    </a:p>
+                  </a:txBody>
+                  <a:tcPr/>
+                </a:tc>
+                <a:tc>
+                  <a:txBody>
+                    <a:bodyPr/>
+                    <a:lstStyle/>
+                    <a:p>
+                      <a:endParaRPr lang="en-US" sz="1200" dirty="0">
+                        <a:latin typeface="Calibri" panose="020F0502020204030204" pitchFamily="34" charset="0"/>
+                        <a:cs typeface="Calibri" panose="020F0502020204030204" pitchFamily="34" charset="0"/>
+                      </a:endParaRPr>
+                    </a:p>
+                  </a:txBody>
+                  <a:tcPr/>
+                </a:tc>
+                <a:extLst>
+                  <a:ext uri="{0D108BD9-81ED-4DB2-BD59-A6C34878D82A}">
+                    <a16:rowId xmlns:a16="http://schemas.microsoft.com/office/drawing/2014/main" val="2363879770"/>
+                  </a:ext>
+                </a:extLst>
+              </a:tr>
+              <a:tr h="320979">
+                <a:tc>
+                  <a:txBody>
+                    <a:bodyPr/>
+                    <a:lstStyle/>
+                    <a:p>
+                      <a:r>
+                        <a:rPr lang="en-US" sz="1200" dirty="0">
+                          <a:latin typeface="Calibri" panose="020F0502020204030204" pitchFamily="34" charset="0"/>
+                          <a:ea typeface="Menlo" panose="020B0609030804020204" pitchFamily="49" charset="0"/>
+                          <a:cs typeface="Calibri" panose="020F0502020204030204" pitchFamily="34" charset="0"/>
+                        </a:rPr>
+                        <a:t>Swisher 22-Ton Electric Log Splitter Eco Split LS22E </a:t>
+                      </a:r>
+                      <a:endParaRPr lang="en-US" sz="1200" dirty="0">
+                        <a:latin typeface="Calibri" panose="020F0502020204030204" pitchFamily="34" charset="0"/>
+                        <a:cs typeface="Calibri" panose="020F0502020204030204" pitchFamily="34" charset="0"/>
+                      </a:endParaRPr>
+                    </a:p>
+                  </a:txBody>
+                  <a:tcPr>
+                    <a:solidFill>
+                      <a:schemeClr val="accent4">
+                        <a:lumMod val="20000"/>
+                        <a:lumOff val="80000"/>
+                      </a:schemeClr>
+                    </a:solidFill>
+                  </a:tcPr>
+                </a:tc>
+                <a:tc>
+                  <a:txBody>
+                    <a:bodyPr/>
+                    <a:lstStyle/>
+                    <a:p>
+                      <a:r>
+                        <a:rPr lang="en-US" sz="1200" dirty="0">
+                          <a:latin typeface="Calibri" panose="020F0502020204030204" pitchFamily="34" charset="0"/>
+                          <a:cs typeface="Calibri" panose="020F0502020204030204" pitchFamily="34" charset="0"/>
+                        </a:rPr>
+                        <a:t>Electric</a:t>
+                      </a:r>
+                    </a:p>
+                  </a:txBody>
+                  <a:tcPr>
+                    <a:solidFill>
+                      <a:schemeClr val="accent4">
+                        <a:lumMod val="20000"/>
+                        <a:lumOff val="80000"/>
+                      </a:schemeClr>
+                    </a:solidFill>
+                  </a:tcPr>
+                </a:tc>
+                <a:tc>
+                  <a:txBody>
+                    <a:bodyPr/>
+                    <a:lstStyle/>
+                    <a:p>
+                      <a:r>
+                        <a:rPr lang="en-US" sz="1200" dirty="0">
+                          <a:latin typeface="Calibri" panose="020F0502020204030204" pitchFamily="34" charset="0"/>
+                          <a:cs typeface="Calibri" panose="020F0502020204030204" pitchFamily="34" charset="0"/>
+                        </a:rPr>
+                        <a:t>22</a:t>
+                      </a:r>
+                    </a:p>
+                  </a:txBody>
+                  <a:tcPr>
+                    <a:solidFill>
+                      <a:schemeClr val="accent4">
+                        <a:lumMod val="20000"/>
+                        <a:lumOff val="80000"/>
+                      </a:schemeClr>
+                    </a:solidFill>
+                  </a:tcPr>
+                </a:tc>
+                <a:tc>
+                  <a:txBody>
+                    <a:bodyPr/>
+                    <a:lstStyle/>
+                    <a:p>
+                      <a:r>
+                        <a:rPr lang="en-US" sz="1200" dirty="0">
+                          <a:latin typeface="Calibri" panose="020F0502020204030204" pitchFamily="34" charset="0"/>
+                          <a:cs typeface="Calibri" panose="020F0502020204030204" pitchFamily="34" charset="0"/>
+                        </a:rPr>
+                        <a:t>25"</a:t>
+                      </a:r>
+                    </a:p>
+                  </a:txBody>
+                  <a:tcPr>
+                    <a:solidFill>
+                      <a:schemeClr val="accent4">
+                        <a:lumMod val="20000"/>
+                        <a:lumOff val="80000"/>
+                      </a:schemeClr>
+                    </a:solidFill>
+                  </a:tcPr>
+                </a:tc>
+                <a:tc>
+                  <a:txBody>
+                    <a:bodyPr/>
+                    <a:lstStyle/>
+                    <a:p>
+                      <a:r>
+                        <a:rPr lang="en-US" sz="1200" dirty="0">
+                          <a:latin typeface="Calibri" panose="020F0502020204030204" pitchFamily="34" charset="0"/>
+                          <a:cs typeface="Calibri" panose="020F0502020204030204" pitchFamily="34" charset="0"/>
+                        </a:rPr>
+                        <a:t>$3.3K</a:t>
+                      </a:r>
+                    </a:p>
+                  </a:txBody>
+                  <a:tcPr>
+                    <a:solidFill>
+                      <a:schemeClr val="accent4">
+                        <a:lumMod val="20000"/>
+                        <a:lumOff val="80000"/>
+                      </a:schemeClr>
+                    </a:solidFill>
+                  </a:tcPr>
+                </a:tc>
+                <a:tc>
+                  <a:txBody>
+                    <a:bodyPr/>
+                    <a:lstStyle/>
+                    <a:p>
+                      <a:endParaRPr lang="en-US" sz="1200" dirty="0">
+                        <a:latin typeface="Calibri" panose="020F0502020204030204" pitchFamily="34" charset="0"/>
+                        <a:cs typeface="Calibri" panose="020F0502020204030204" pitchFamily="34" charset="0"/>
+                      </a:endParaRPr>
+                    </a:p>
+                  </a:txBody>
+                  <a:tcPr>
+                    <a:solidFill>
+                      <a:schemeClr val="accent4">
+                        <a:lumMod val="20000"/>
+                        <a:lumOff val="80000"/>
+                      </a:schemeClr>
+                    </a:solidFill>
+                  </a:tcPr>
+                </a:tc>
+                <a:extLst>
+                  <a:ext uri="{0D108BD9-81ED-4DB2-BD59-A6C34878D82A}">
+                    <a16:rowId xmlns:a16="http://schemas.microsoft.com/office/drawing/2014/main" val="3158880388"/>
+                  </a:ext>
+                </a:extLst>
+              </a:tr>
+              <a:tr h="320979">
+                <a:tc>
+                  <a:txBody>
+                    <a:bodyPr/>
+                    <a:lstStyle/>
+                    <a:p>
+                      <a:r>
+                        <a:rPr lang="en-US" sz="1200" dirty="0">
+                          <a:latin typeface="Calibri" panose="020F0502020204030204" pitchFamily="34" charset="0"/>
+                          <a:ea typeface="Menlo" panose="020B0609030804020204" pitchFamily="49" charset="0"/>
+                          <a:cs typeface="Calibri" panose="020F0502020204030204" pitchFamily="34" charset="0"/>
+                        </a:rPr>
+                        <a:t>Dirty Hand Tools 28-Ton Gas Log Splitter</a:t>
+                      </a:r>
+                      <a:endParaRPr lang="en-US" sz="1200" dirty="0">
+                        <a:latin typeface="Calibri" panose="020F0502020204030204" pitchFamily="34" charset="0"/>
+                        <a:cs typeface="Calibri" panose="020F0502020204030204" pitchFamily="34" charset="0"/>
+                      </a:endParaRPr>
+                    </a:p>
+                  </a:txBody>
+                  <a:tcPr/>
+                </a:tc>
+                <a:tc>
+                  <a:txBody>
+                    <a:bodyPr/>
+                    <a:lstStyle/>
+                    <a:p>
+                      <a:r>
+                        <a:rPr lang="en-US" sz="1200" dirty="0">
+                          <a:latin typeface="Calibri" panose="020F0502020204030204" pitchFamily="34" charset="0"/>
+                          <a:cs typeface="Calibri" panose="020F0502020204030204" pitchFamily="34" charset="0"/>
+                        </a:rPr>
+                        <a:t>Gas</a:t>
+                      </a:r>
+                    </a:p>
+                  </a:txBody>
+                  <a:tcPr/>
+                </a:tc>
+                <a:tc>
+                  <a:txBody>
+                    <a:bodyPr/>
+                    <a:lstStyle/>
+                    <a:p>
+                      <a:r>
+                        <a:rPr lang="en-US" sz="1200" dirty="0">
+                          <a:latin typeface="Calibri" panose="020F0502020204030204" pitchFamily="34" charset="0"/>
+                          <a:cs typeface="Calibri" panose="020F0502020204030204" pitchFamily="34" charset="0"/>
+                        </a:rPr>
+                        <a:t>28</a:t>
+                      </a:r>
+                    </a:p>
+                  </a:txBody>
+                  <a:tcPr/>
+                </a:tc>
+                <a:tc>
+                  <a:txBody>
+                    <a:bodyPr/>
+                    <a:lstStyle/>
+                    <a:p>
+                      <a:r>
+                        <a:rPr lang="en-US" sz="1200" dirty="0">
+                          <a:latin typeface="Calibri" panose="020F0502020204030204" pitchFamily="34" charset="0"/>
+                          <a:cs typeface="Calibri" panose="020F0502020204030204" pitchFamily="34" charset="0"/>
+                        </a:rPr>
+                        <a:t>25"</a:t>
+                      </a:r>
+                    </a:p>
+                  </a:txBody>
+                  <a:tcPr/>
+                </a:tc>
+                <a:tc>
+                  <a:txBody>
+                    <a:bodyPr/>
+                    <a:lstStyle/>
+                    <a:p>
+                      <a:r>
+                        <a:rPr lang="en-US" sz="1200" dirty="0">
+                          <a:latin typeface="Calibri" panose="020F0502020204030204" pitchFamily="34" charset="0"/>
+                          <a:cs typeface="Calibri" panose="020F0502020204030204" pitchFamily="34" charset="0"/>
+                        </a:rPr>
+                        <a:t>$1.2K</a:t>
+                      </a:r>
+                    </a:p>
+                  </a:txBody>
+                  <a:tcPr/>
+                </a:tc>
+                <a:tc>
+                  <a:txBody>
+                    <a:bodyPr/>
+                    <a:lstStyle/>
+                    <a:p>
+                      <a:endParaRPr lang="en-US" sz="1200" dirty="0">
+                        <a:latin typeface="Calibri" panose="020F0502020204030204" pitchFamily="34" charset="0"/>
+                        <a:cs typeface="Calibri" panose="020F0502020204030204" pitchFamily="34" charset="0"/>
+                      </a:endParaRPr>
+                    </a:p>
+                  </a:txBody>
+                  <a:tcPr/>
+                </a:tc>
+                <a:extLst>
+                  <a:ext uri="{0D108BD9-81ED-4DB2-BD59-A6C34878D82A}">
+                    <a16:rowId xmlns:a16="http://schemas.microsoft.com/office/drawing/2014/main" val="4030792842"/>
+                  </a:ext>
+                </a:extLst>
+              </a:tr>
+              <a:tr h="230342">
+                <a:tc>
+                  <a:txBody>
+                    <a:bodyPr/>
+                    <a:lstStyle/>
+                    <a:p>
+                      <a:r>
+                        <a:rPr lang="en-US" sz="1200" dirty="0" err="1">
+                          <a:latin typeface="Calibri" panose="020F0502020204030204" pitchFamily="34" charset="0"/>
+                          <a:ea typeface="Menlo" panose="020B0609030804020204" pitchFamily="49" charset="0"/>
+                          <a:cs typeface="Calibri" panose="020F0502020204030204" pitchFamily="34" charset="0"/>
+                        </a:rPr>
+                        <a:t>SuperHandy</a:t>
+                      </a:r>
+                      <a:r>
+                        <a:rPr lang="en-US" sz="1200" dirty="0">
+                          <a:latin typeface="Calibri" panose="020F0502020204030204" pitchFamily="34" charset="0"/>
+                          <a:ea typeface="Menlo" panose="020B0609030804020204" pitchFamily="49" charset="0"/>
+                          <a:cs typeface="Calibri" panose="020F0502020204030204" pitchFamily="34" charset="0"/>
+                        </a:rPr>
+                        <a:t> 20-Ton Electric </a:t>
+                      </a:r>
+                      <a:endParaRPr lang="en-US" sz="1200" dirty="0">
+                        <a:latin typeface="Calibri" panose="020F0502020204030204" pitchFamily="34" charset="0"/>
+                        <a:cs typeface="Calibri" panose="020F0502020204030204" pitchFamily="34" charset="0"/>
+                      </a:endParaRPr>
+                    </a:p>
+                  </a:txBody>
+                  <a:tcPr>
+                    <a:solidFill>
+                      <a:schemeClr val="accent4">
+                        <a:lumMod val="20000"/>
+                        <a:lumOff val="80000"/>
+                      </a:schemeClr>
+                    </a:solidFill>
+                  </a:tcPr>
+                </a:tc>
+                <a:tc>
+                  <a:txBody>
+                    <a:bodyPr/>
+                    <a:lstStyle/>
+                    <a:p>
+                      <a:r>
+                        <a:rPr lang="en-US" sz="1200" dirty="0">
+                          <a:latin typeface="Calibri" panose="020F0502020204030204" pitchFamily="34" charset="0"/>
+                          <a:cs typeface="Calibri" panose="020F0502020204030204" pitchFamily="34" charset="0"/>
+                        </a:rPr>
+                        <a:t>Electric</a:t>
+                      </a:r>
+                    </a:p>
+                  </a:txBody>
+                  <a:tcPr>
+                    <a:solidFill>
+                      <a:schemeClr val="accent4">
+                        <a:lumMod val="20000"/>
+                        <a:lumOff val="80000"/>
+                      </a:schemeClr>
+                    </a:solidFill>
+                  </a:tcPr>
+                </a:tc>
+                <a:tc>
+                  <a:txBody>
+                    <a:bodyPr/>
+                    <a:lstStyle/>
+                    <a:p>
+                      <a:r>
+                        <a:rPr lang="en-US" sz="1200" dirty="0">
+                          <a:latin typeface="Calibri" panose="020F0502020204030204" pitchFamily="34" charset="0"/>
+                          <a:cs typeface="Calibri" panose="020F0502020204030204" pitchFamily="34" charset="0"/>
+                        </a:rPr>
+                        <a:t>20</a:t>
+                      </a:r>
+                    </a:p>
+                  </a:txBody>
+                  <a:tcPr>
+                    <a:solidFill>
+                      <a:schemeClr val="accent4">
+                        <a:lumMod val="20000"/>
+                        <a:lumOff val="80000"/>
+                      </a:schemeClr>
+                    </a:solidFill>
+                  </a:tcPr>
+                </a:tc>
+                <a:tc>
+                  <a:txBody>
+                    <a:bodyPr/>
+                    <a:lstStyle/>
+                    <a:p>
+                      <a:r>
+                        <a:rPr lang="en-US" sz="1200" dirty="0">
+                          <a:latin typeface="Calibri" panose="020F0502020204030204" pitchFamily="34" charset="0"/>
+                          <a:cs typeface="Calibri" panose="020F0502020204030204" pitchFamily="34" charset="0"/>
+                        </a:rPr>
+                        <a:t>25"</a:t>
+                      </a:r>
+                    </a:p>
+                  </a:txBody>
+                  <a:tcPr>
+                    <a:solidFill>
+                      <a:schemeClr val="accent4">
+                        <a:lumMod val="20000"/>
+                        <a:lumOff val="80000"/>
+                      </a:schemeClr>
+                    </a:solidFill>
+                  </a:tcPr>
+                </a:tc>
+                <a:tc>
+                  <a:txBody>
+                    <a:bodyPr/>
+                    <a:lstStyle/>
+                    <a:p>
+                      <a:r>
+                        <a:rPr lang="en-US" sz="1200" dirty="0">
+                          <a:latin typeface="Calibri" panose="020F0502020204030204" pitchFamily="34" charset="0"/>
+                          <a:ea typeface="Menlo" panose="020B0609030804020204" pitchFamily="49" charset="0"/>
+                          <a:cs typeface="Calibri" panose="020F0502020204030204" pitchFamily="34" charset="0"/>
+                        </a:rPr>
+                        <a:t>$0.9K </a:t>
+                      </a:r>
+                      <a:endParaRPr lang="en-US" sz="1200" dirty="0">
+                        <a:latin typeface="Calibri" panose="020F0502020204030204" pitchFamily="34" charset="0"/>
+                        <a:cs typeface="Calibri" panose="020F0502020204030204" pitchFamily="34" charset="0"/>
+                      </a:endParaRPr>
+                    </a:p>
+                  </a:txBody>
+                  <a:tcPr>
+                    <a:solidFill>
+                      <a:schemeClr val="accent4">
+                        <a:lumMod val="20000"/>
+                        <a:lumOff val="80000"/>
+                      </a:schemeClr>
+                    </a:solidFill>
+                  </a:tcPr>
+                </a:tc>
+                <a:tc>
+                  <a:txBody>
+                    <a:bodyPr/>
+                    <a:lstStyle/>
+                    <a:p>
+                      <a:endParaRPr lang="en-US" sz="1200" dirty="0">
+                        <a:latin typeface="Calibri" panose="020F0502020204030204" pitchFamily="34" charset="0"/>
+                        <a:cs typeface="Calibri" panose="020F0502020204030204" pitchFamily="34" charset="0"/>
+                      </a:endParaRPr>
+                    </a:p>
+                  </a:txBody>
+                  <a:tcPr>
+                    <a:solidFill>
+                      <a:schemeClr val="accent4">
+                        <a:lumMod val="20000"/>
+                        <a:lumOff val="80000"/>
+                      </a:schemeClr>
+                    </a:solidFill>
+                  </a:tcPr>
+                </a:tc>
+                <a:extLst>
+                  <a:ext uri="{0D108BD9-81ED-4DB2-BD59-A6C34878D82A}">
+                    <a16:rowId xmlns:a16="http://schemas.microsoft.com/office/drawing/2014/main" val="2075681017"/>
+                  </a:ext>
+                </a:extLst>
+              </a:tr>
+              <a:tr h="192587">
+                <a:tc>
+                  <a:txBody>
+                    <a:bodyPr/>
+                    <a:lstStyle/>
+                    <a:p>
+                      <a:r>
+                        <a:rPr lang="en-US" sz="1200" dirty="0">
+                          <a:latin typeface="Calibri" panose="020F0502020204030204" pitchFamily="34" charset="0"/>
+                          <a:cs typeface="Calibri" panose="020F0502020204030204" pitchFamily="34" charset="0"/>
+                        </a:rPr>
+                        <a:t>NorthStar</a:t>
+                      </a:r>
+                    </a:p>
+                  </a:txBody>
+                  <a:tcPr/>
+                </a:tc>
+                <a:tc>
+                  <a:txBody>
+                    <a:bodyPr/>
+                    <a:lstStyle/>
+                    <a:p>
+                      <a:r>
+                        <a:rPr lang="en-US" sz="1200" dirty="0">
+                          <a:latin typeface="Calibri" panose="020F0502020204030204" pitchFamily="34" charset="0"/>
+                          <a:cs typeface="Calibri" panose="020F0502020204030204" pitchFamily="34" charset="0"/>
+                        </a:rPr>
+                        <a:t>gas</a:t>
+                      </a:r>
+                    </a:p>
+                  </a:txBody>
+                  <a:tcPr/>
+                </a:tc>
+                <a:tc>
+                  <a:txBody>
+                    <a:bodyPr/>
+                    <a:lstStyle/>
+                    <a:p>
+                      <a:r>
+                        <a:rPr lang="en-US" sz="1200" dirty="0">
+                          <a:latin typeface="Calibri" panose="020F0502020204030204" pitchFamily="34" charset="0"/>
+                          <a:cs typeface="Calibri" panose="020F0502020204030204" pitchFamily="34" charset="0"/>
+                        </a:rPr>
+                        <a:t>24</a:t>
+                      </a:r>
+                    </a:p>
+                  </a:txBody>
+                  <a:tcPr/>
+                </a:tc>
+                <a:tc>
+                  <a:txBody>
+                    <a:bodyPr/>
+                    <a:lstStyle/>
+                    <a:p>
+                      <a:r>
+                        <a:rPr lang="en-US" sz="1200" dirty="0">
+                          <a:latin typeface="Calibri" panose="020F0502020204030204" pitchFamily="34" charset="0"/>
+                          <a:cs typeface="Calibri" panose="020F0502020204030204" pitchFamily="34" charset="0"/>
+                        </a:rPr>
+                        <a:t>25"</a:t>
+                      </a:r>
+                    </a:p>
+                  </a:txBody>
+                  <a:tcPr/>
+                </a:tc>
+                <a:tc>
+                  <a:txBody>
+                    <a:bodyPr/>
+                    <a:lstStyle/>
+                    <a:p>
+                      <a:r>
+                        <a:rPr lang="en-US" sz="1200" dirty="0">
+                          <a:latin typeface="Calibri" panose="020F0502020204030204" pitchFamily="34" charset="0"/>
+                          <a:cs typeface="Calibri" panose="020F0502020204030204" pitchFamily="34" charset="0"/>
+                        </a:rPr>
+                        <a:t>$1.0K</a:t>
+                      </a:r>
+                    </a:p>
+                  </a:txBody>
+                  <a:tcPr/>
+                </a:tc>
+                <a:tc>
+                  <a:txBody>
+                    <a:bodyPr/>
+                    <a:lstStyle/>
+                    <a:p>
+                      <a:r>
+                        <a:rPr lang="en-US" sz="1200" dirty="0">
+                          <a:latin typeface="Calibri" panose="020F0502020204030204" pitchFamily="34" charset="0"/>
+                          <a:cs typeface="Calibri" panose="020F0502020204030204" pitchFamily="34" charset="0"/>
+                        </a:rPr>
+                        <a:t>H + V</a:t>
+                      </a:r>
+                    </a:p>
+                  </a:txBody>
+                  <a:tcPr/>
+                </a:tc>
+                <a:extLst>
+                  <a:ext uri="{0D108BD9-81ED-4DB2-BD59-A6C34878D82A}">
+                    <a16:rowId xmlns:a16="http://schemas.microsoft.com/office/drawing/2014/main" val="2530063497"/>
+                  </a:ext>
+                </a:extLst>
+              </a:tr>
+              <a:tr h="326359">
+                <a:tc>
+                  <a:txBody>
+                    <a:bodyPr/>
+                    <a:lstStyle/>
+                    <a:p>
+                      <a:r>
+                        <a:rPr lang="en-US" sz="1200" dirty="0" err="1">
+                          <a:latin typeface="Calibri" panose="020F0502020204030204" pitchFamily="34" charset="0"/>
+                          <a:cs typeface="Calibri" panose="020F0502020204030204" pitchFamily="34" charset="0"/>
+                        </a:rPr>
+                        <a:t>Yardmax</a:t>
+                      </a:r>
+                      <a:r>
+                        <a:rPr lang="en-US" sz="1200" dirty="0">
+                          <a:latin typeface="Calibri" panose="020F0502020204030204" pitchFamily="34" charset="0"/>
+                          <a:cs typeface="Calibri" panose="020F0502020204030204" pitchFamily="34" charset="0"/>
+                        </a:rPr>
+                        <a:t> YU2566</a:t>
+                      </a:r>
+                    </a:p>
+                  </a:txBody>
+                  <a:tcPr/>
+                </a:tc>
+                <a:tc>
+                  <a:txBody>
+                    <a:bodyPr/>
+                    <a:lstStyle/>
+                    <a:p>
+                      <a:r>
+                        <a:rPr lang="en-US" sz="1200" dirty="0">
+                          <a:latin typeface="Calibri" panose="020F0502020204030204" pitchFamily="34" charset="0"/>
+                          <a:cs typeface="Calibri" panose="020F0502020204030204" pitchFamily="34" charset="0"/>
+                        </a:rPr>
+                        <a:t>gas</a:t>
+                      </a:r>
+                    </a:p>
+                  </a:txBody>
+                  <a:tcPr/>
+                </a:tc>
+                <a:tc>
+                  <a:txBody>
+                    <a:bodyPr/>
+                    <a:lstStyle/>
+                    <a:p>
+                      <a:r>
+                        <a:rPr lang="en-US" sz="1200" dirty="0">
+                          <a:latin typeface="Calibri" panose="020F0502020204030204" pitchFamily="34" charset="0"/>
+                          <a:cs typeface="Calibri" panose="020F0502020204030204" pitchFamily="34" charset="0"/>
+                        </a:rPr>
+                        <a:t>25</a:t>
+                      </a:r>
+                    </a:p>
+                  </a:txBody>
+                  <a:tcPr/>
+                </a:tc>
+                <a:tc>
+                  <a:txBody>
+                    <a:bodyPr/>
+                    <a:lstStyle/>
+                    <a:p>
+                      <a:r>
+                        <a:rPr lang="en-US" sz="1200" dirty="0">
+                          <a:latin typeface="Calibri" panose="020F0502020204030204" pitchFamily="34" charset="0"/>
+                          <a:cs typeface="Calibri" panose="020F0502020204030204" pitchFamily="34" charset="0"/>
+                        </a:rPr>
+                        <a:t>25</a:t>
+                      </a:r>
+                    </a:p>
+                  </a:txBody>
+                  <a:tcPr/>
+                </a:tc>
+                <a:tc>
+                  <a:txBody>
+                    <a:bodyPr/>
+                    <a:lstStyle/>
+                    <a:p>
+                      <a:r>
+                        <a:rPr lang="en-US" sz="1200" dirty="0">
+                          <a:latin typeface="Calibri" panose="020F0502020204030204" pitchFamily="34" charset="0"/>
+                          <a:cs typeface="Calibri" panose="020F0502020204030204" pitchFamily="34" charset="0"/>
+                        </a:rPr>
+                        <a:t>$1.0K</a:t>
+                      </a:r>
+                    </a:p>
+                  </a:txBody>
+                  <a:tcPr/>
+                </a:tc>
+                <a:tc>
+                  <a:txBody>
+                    <a:bodyPr/>
+                    <a:lstStyle/>
+                    <a:p>
+                      <a:endParaRPr lang="en-US" sz="1200" dirty="0">
+                        <a:latin typeface="Calibri" panose="020F0502020204030204" pitchFamily="34" charset="0"/>
+                        <a:cs typeface="Calibri" panose="020F0502020204030204" pitchFamily="34" charset="0"/>
+                      </a:endParaRPr>
+                    </a:p>
+                  </a:txBody>
+                  <a:tcPr/>
+                </a:tc>
+                <a:extLst>
+                  <a:ext uri="{0D108BD9-81ED-4DB2-BD59-A6C34878D82A}">
+                    <a16:rowId xmlns:a16="http://schemas.microsoft.com/office/drawing/2014/main" val="1551600476"/>
+                  </a:ext>
+                </a:extLst>
+              </a:tr>
+              <a:tr h="326359">
+                <a:tc>
+                  <a:txBody>
+                    <a:bodyPr/>
+                    <a:lstStyle/>
+                    <a:p>
+                      <a:r>
+                        <a:rPr lang="en-US" sz="1200" dirty="0" err="1">
+                          <a:latin typeface="Calibri" panose="020F0502020204030204" pitchFamily="34" charset="0"/>
+                          <a:cs typeface="Calibri" panose="020F0502020204030204" pitchFamily="34" charset="0"/>
+                        </a:rPr>
+                        <a:t>Yardmax</a:t>
+                      </a:r>
+                      <a:r>
+                        <a:rPr lang="en-US" sz="1200" dirty="0">
+                          <a:latin typeface="Calibri" panose="020F0502020204030204" pitchFamily="34" charset="0"/>
+                          <a:cs typeface="Calibri" panose="020F0502020204030204" pitchFamily="34" charset="0"/>
+                        </a:rPr>
+                        <a:t> Gas Log Splitter 32 Ton 2-Way</a:t>
+                      </a:r>
+                    </a:p>
+                  </a:txBody>
+                  <a:tcPr/>
+                </a:tc>
+                <a:tc>
+                  <a:txBody>
+                    <a:bodyPr/>
+                    <a:lstStyle/>
+                    <a:p>
+                      <a:r>
+                        <a:rPr lang="en-US" sz="1200" dirty="0">
+                          <a:latin typeface="Calibri" panose="020F0502020204030204" pitchFamily="34" charset="0"/>
+                          <a:cs typeface="Calibri" panose="020F0502020204030204" pitchFamily="34" charset="0"/>
+                        </a:rPr>
+                        <a:t>gas</a:t>
+                      </a:r>
+                    </a:p>
+                  </a:txBody>
+                  <a:tcPr/>
+                </a:tc>
+                <a:tc>
+                  <a:txBody>
+                    <a:bodyPr/>
+                    <a:lstStyle/>
+                    <a:p>
+                      <a:r>
+                        <a:rPr lang="en-US" sz="1200" dirty="0">
+                          <a:latin typeface="Calibri" panose="020F0502020204030204" pitchFamily="34" charset="0"/>
+                          <a:cs typeface="Calibri" panose="020F0502020204030204" pitchFamily="34" charset="0"/>
+                        </a:rPr>
+                        <a:t>32</a:t>
+                      </a:r>
+                    </a:p>
+                  </a:txBody>
+                  <a:tcPr/>
+                </a:tc>
+                <a:tc>
+                  <a:txBody>
+                    <a:bodyPr/>
+                    <a:lstStyle/>
+                    <a:p>
+                      <a:r>
+                        <a:rPr lang="en-US" sz="1200" dirty="0">
+                          <a:latin typeface="Calibri" panose="020F0502020204030204" pitchFamily="34" charset="0"/>
+                          <a:cs typeface="Calibri" panose="020F0502020204030204" pitchFamily="34" charset="0"/>
+                        </a:rPr>
+                        <a:t>26.5"</a:t>
+                      </a:r>
+                    </a:p>
+                  </a:txBody>
+                  <a:tcPr/>
+                </a:tc>
+                <a:tc>
+                  <a:txBody>
+                    <a:bodyPr/>
+                    <a:lstStyle/>
+                    <a:p>
+                      <a:r>
+                        <a:rPr lang="en-US" sz="1200" dirty="0">
+                          <a:latin typeface="Calibri" panose="020F0502020204030204" pitchFamily="34" charset="0"/>
+                          <a:cs typeface="Calibri" panose="020F0502020204030204" pitchFamily="34" charset="0"/>
+                        </a:rPr>
+                        <a:t>$1.7K</a:t>
+                      </a:r>
+                    </a:p>
+                  </a:txBody>
+                  <a:tcPr/>
+                </a:tc>
+                <a:tc>
+                  <a:txBody>
+                    <a:bodyPr/>
+                    <a:lstStyle/>
+                    <a:p>
+                      <a:endParaRPr lang="en-US" sz="1200" dirty="0">
+                        <a:latin typeface="Calibri" panose="020F0502020204030204" pitchFamily="34" charset="0"/>
+                        <a:cs typeface="Calibri" panose="020F0502020204030204" pitchFamily="34" charset="0"/>
+                      </a:endParaRPr>
+                    </a:p>
+                  </a:txBody>
+                  <a:tcPr/>
+                </a:tc>
+                <a:extLst>
+                  <a:ext uri="{0D108BD9-81ED-4DB2-BD59-A6C34878D82A}">
+                    <a16:rowId xmlns:a16="http://schemas.microsoft.com/office/drawing/2014/main" val="1688842436"/>
+                  </a:ext>
+                </a:extLst>
+              </a:tr>
+              <a:tr h="192587">
+                <a:tc>
+                  <a:txBody>
+                    <a:bodyPr/>
+                    <a:lstStyle/>
+                    <a:p>
+                      <a:r>
+                        <a:rPr lang="en-US" sz="1200" dirty="0" err="1">
+                          <a:latin typeface="Calibri" panose="020F0502020204030204" pitchFamily="34" charset="0"/>
+                          <a:cs typeface="Calibri" panose="020F0502020204030204" pitchFamily="34" charset="0"/>
+                        </a:rPr>
+                        <a:t>CountyLine</a:t>
+                      </a:r>
+                      <a:r>
+                        <a:rPr lang="en-US" sz="1200" dirty="0">
+                          <a:latin typeface="Calibri" panose="020F0502020204030204" pitchFamily="34" charset="0"/>
+                          <a:cs typeface="Calibri" panose="020F0502020204030204" pitchFamily="34" charset="0"/>
+                        </a:rPr>
+                        <a:t> 25-Ton Log Splitter</a:t>
+                      </a:r>
+                    </a:p>
+                  </a:txBody>
+                  <a:tcPr/>
+                </a:tc>
+                <a:tc>
+                  <a:txBody>
+                    <a:bodyPr/>
+                    <a:lstStyle/>
+                    <a:p>
+                      <a:r>
+                        <a:rPr lang="en-US" sz="1200" dirty="0">
+                          <a:latin typeface="Calibri" panose="020F0502020204030204" pitchFamily="34" charset="0"/>
+                          <a:cs typeface="Calibri" panose="020F0502020204030204" pitchFamily="34" charset="0"/>
+                        </a:rPr>
+                        <a:t>gas</a:t>
+                      </a:r>
+                    </a:p>
+                  </a:txBody>
+                  <a:tcPr/>
+                </a:tc>
+                <a:tc>
+                  <a:txBody>
+                    <a:bodyPr/>
+                    <a:lstStyle/>
+                    <a:p>
+                      <a:r>
+                        <a:rPr lang="en-US" sz="1200" dirty="0">
+                          <a:latin typeface="Calibri" panose="020F0502020204030204" pitchFamily="34" charset="0"/>
+                          <a:cs typeface="Calibri" panose="020F0502020204030204" pitchFamily="34" charset="0"/>
+                        </a:rPr>
+                        <a:t>25</a:t>
+                      </a:r>
+                    </a:p>
+                  </a:txBody>
+                  <a:tcPr/>
+                </a:tc>
+                <a:tc>
+                  <a:txBody>
+                    <a:bodyPr/>
+                    <a:lstStyle/>
+                    <a:p>
+                      <a:r>
+                        <a:rPr lang="en-US" sz="1200" dirty="0">
+                          <a:latin typeface="Calibri" panose="020F0502020204030204" pitchFamily="34" charset="0"/>
+                          <a:cs typeface="Calibri" panose="020F0502020204030204" pitchFamily="34" charset="0"/>
+                        </a:rPr>
+                        <a:t>26"</a:t>
+                      </a:r>
+                    </a:p>
+                  </a:txBody>
+                  <a:tcPr/>
+                </a:tc>
+                <a:tc>
+                  <a:txBody>
+                    <a:bodyPr/>
+                    <a:lstStyle/>
+                    <a:p>
+                      <a:r>
+                        <a:rPr lang="en-US" sz="1200" dirty="0">
+                          <a:latin typeface="Calibri" panose="020F0502020204030204" pitchFamily="34" charset="0"/>
+                          <a:cs typeface="Calibri" panose="020F0502020204030204" pitchFamily="34" charset="0"/>
+                        </a:rPr>
+                        <a:t>$1.7K</a:t>
+                      </a:r>
+                    </a:p>
+                  </a:txBody>
+                  <a:tcPr/>
+                </a:tc>
+                <a:tc>
+                  <a:txBody>
+                    <a:bodyPr/>
+                    <a:lstStyle/>
+                    <a:p>
+                      <a:r>
+                        <a:rPr lang="en-US" sz="1200" dirty="0">
+                          <a:latin typeface="Calibri" panose="020F0502020204030204" pitchFamily="34" charset="0"/>
+                          <a:cs typeface="Calibri" panose="020F0502020204030204" pitchFamily="34" charset="0"/>
+                        </a:rPr>
+                        <a:t>H + V</a:t>
+                      </a:r>
+                    </a:p>
+                  </a:txBody>
+                  <a:tcPr/>
+                </a:tc>
+                <a:extLst>
+                  <a:ext uri="{0D108BD9-81ED-4DB2-BD59-A6C34878D82A}">
+                    <a16:rowId xmlns:a16="http://schemas.microsoft.com/office/drawing/2014/main" val="201630913"/>
+                  </a:ext>
+                </a:extLst>
+              </a:tr>
+              <a:tr h="449371">
+                <a:tc>
+                  <a:txBody>
+                    <a:bodyPr/>
+                    <a:lstStyle/>
+                    <a:p>
+                      <a:r>
+                        <a:rPr lang="en-US" sz="1200" dirty="0">
+                          <a:latin typeface="Calibri" panose="020F0502020204030204" pitchFamily="34" charset="0"/>
+                          <a:cs typeface="Calibri" panose="020F0502020204030204" pitchFamily="34" charset="0"/>
+                        </a:rPr>
+                        <a:t>DeWalt FLEXVOLT Max 20-Ton 60V Cordless Battery Powered Log Splitter Kit</a:t>
+                      </a:r>
+                    </a:p>
+                  </a:txBody>
+                  <a:tcPr>
+                    <a:solidFill>
+                      <a:schemeClr val="accent4">
+                        <a:lumMod val="20000"/>
+                        <a:lumOff val="80000"/>
+                      </a:schemeClr>
+                    </a:solidFill>
+                  </a:tcPr>
+                </a:tc>
+                <a:tc>
+                  <a:txBody>
+                    <a:bodyPr/>
+                    <a:lstStyle/>
+                    <a:p>
+                      <a:r>
+                        <a:rPr lang="en-US" sz="1200" dirty="0">
+                          <a:latin typeface="Calibri" panose="020F0502020204030204" pitchFamily="34" charset="0"/>
+                          <a:cs typeface="Calibri" panose="020F0502020204030204" pitchFamily="34" charset="0"/>
+                        </a:rPr>
+                        <a:t>battery 60V</a:t>
+                      </a:r>
+                    </a:p>
+                  </a:txBody>
+                  <a:tcPr>
+                    <a:solidFill>
+                      <a:schemeClr val="accent4">
+                        <a:lumMod val="20000"/>
+                        <a:lumOff val="80000"/>
+                      </a:schemeClr>
+                    </a:solidFill>
+                  </a:tcPr>
+                </a:tc>
+                <a:tc>
+                  <a:txBody>
+                    <a:bodyPr/>
+                    <a:lstStyle/>
+                    <a:p>
+                      <a:r>
+                        <a:rPr lang="en-US" sz="1200" dirty="0">
+                          <a:latin typeface="Calibri" panose="020F0502020204030204" pitchFamily="34" charset="0"/>
+                          <a:cs typeface="Calibri" panose="020F0502020204030204" pitchFamily="34" charset="0"/>
+                        </a:rPr>
+                        <a:t>20</a:t>
+                      </a:r>
+                    </a:p>
+                  </a:txBody>
+                  <a:tcPr>
+                    <a:solidFill>
+                      <a:schemeClr val="accent4">
+                        <a:lumMod val="20000"/>
+                        <a:lumOff val="80000"/>
+                      </a:schemeClr>
+                    </a:solidFill>
+                  </a:tcPr>
+                </a:tc>
+                <a:tc>
+                  <a:txBody>
+                    <a:bodyPr/>
+                    <a:lstStyle/>
+                    <a:p>
+                      <a:r>
+                        <a:rPr lang="en-US" sz="1200" dirty="0">
+                          <a:latin typeface="Calibri" panose="020F0502020204030204" pitchFamily="34" charset="0"/>
+                          <a:cs typeface="Calibri" panose="020F0502020204030204" pitchFamily="34" charset="0"/>
+                        </a:rPr>
+                        <a:t>25"</a:t>
+                      </a:r>
+                    </a:p>
+                  </a:txBody>
+                  <a:tcPr>
+                    <a:solidFill>
+                      <a:schemeClr val="accent4">
+                        <a:lumMod val="20000"/>
+                        <a:lumOff val="80000"/>
+                      </a:schemeClr>
+                    </a:solidFill>
+                  </a:tcPr>
+                </a:tc>
+                <a:tc>
+                  <a:txBody>
+                    <a:bodyPr/>
+                    <a:lstStyle/>
+                    <a:p>
+                      <a:r>
+                        <a:rPr lang="en-US" sz="1200" dirty="0">
+                          <a:latin typeface="Calibri" panose="020F0502020204030204" pitchFamily="34" charset="0"/>
+                          <a:cs typeface="Calibri" panose="020F0502020204030204" pitchFamily="34" charset="0"/>
+                        </a:rPr>
+                        <a:t>$2.2K</a:t>
+                      </a:r>
+                    </a:p>
+                  </a:txBody>
+                  <a:tcPr>
+                    <a:solidFill>
+                      <a:schemeClr val="accent4">
+                        <a:lumMod val="20000"/>
+                        <a:lumOff val="80000"/>
+                      </a:schemeClr>
+                    </a:solidFill>
+                  </a:tcPr>
+                </a:tc>
+                <a:tc>
+                  <a:txBody>
+                    <a:bodyPr/>
+                    <a:lstStyle/>
+                    <a:p>
+                      <a:endParaRPr lang="en-US" sz="1200" dirty="0">
+                        <a:latin typeface="Calibri" panose="020F0502020204030204" pitchFamily="34" charset="0"/>
+                        <a:cs typeface="Calibri" panose="020F0502020204030204" pitchFamily="34" charset="0"/>
+                      </a:endParaRPr>
+                    </a:p>
+                  </a:txBody>
+                  <a:tcPr>
+                    <a:solidFill>
+                      <a:schemeClr val="accent4">
+                        <a:lumMod val="20000"/>
+                        <a:lumOff val="80000"/>
+                      </a:schemeClr>
+                    </a:solidFill>
+                  </a:tcPr>
+                </a:tc>
+                <a:extLst>
+                  <a:ext uri="{0D108BD9-81ED-4DB2-BD59-A6C34878D82A}">
+                    <a16:rowId xmlns:a16="http://schemas.microsoft.com/office/drawing/2014/main" val="203480409"/>
+                  </a:ext>
+                </a:extLst>
+              </a:tr>
+              <a:tr h="449371">
+                <a:tc>
+                  <a:txBody>
+                    <a:bodyPr/>
+                    <a:lstStyle/>
+                    <a:p>
+                      <a:r>
+                        <a:rPr lang="en-US" sz="1200" dirty="0" err="1"/>
+                        <a:t>Ramsplitter</a:t>
+                      </a:r>
+                      <a:r>
+                        <a:rPr lang="en-US" sz="1200" dirty="0"/>
+                        <a:t> 20-Ton Electric (Model H20-4)</a:t>
+                      </a:r>
+                      <a:endParaRPr lang="en-US" sz="1200" dirty="0">
+                        <a:latin typeface="Calibri" panose="020F0502020204030204" pitchFamily="34" charset="0"/>
+                        <a:cs typeface="Calibri" panose="020F0502020204030204" pitchFamily="34" charset="0"/>
+                      </a:endParaRPr>
+                    </a:p>
+                  </a:txBody>
+                  <a:tcPr>
+                    <a:solidFill>
+                      <a:schemeClr val="accent4">
+                        <a:lumMod val="20000"/>
+                        <a:lumOff val="80000"/>
+                      </a:schemeClr>
+                    </a:solidFill>
+                  </a:tcPr>
+                </a:tc>
+                <a:tc>
+                  <a:txBody>
+                    <a:bodyPr/>
+                    <a:lstStyle/>
+                    <a:p>
+                      <a:r>
+                        <a:rPr lang="en-US" sz="1200" dirty="0">
+                          <a:latin typeface="Calibri" panose="020F0502020204030204" pitchFamily="34" charset="0"/>
+                          <a:cs typeface="Calibri" panose="020F0502020204030204" pitchFamily="34" charset="0"/>
+                        </a:rPr>
+                        <a:t>Electric 25A</a:t>
+                      </a:r>
+                    </a:p>
+                  </a:txBody>
+                  <a:tcPr>
+                    <a:solidFill>
+                      <a:schemeClr val="accent4">
+                        <a:lumMod val="20000"/>
+                        <a:lumOff val="80000"/>
+                      </a:schemeClr>
+                    </a:solidFill>
+                  </a:tcPr>
+                </a:tc>
+                <a:tc>
+                  <a:txBody>
+                    <a:bodyPr/>
+                    <a:lstStyle/>
+                    <a:p>
+                      <a:r>
+                        <a:rPr lang="en-US" sz="1200" dirty="0">
+                          <a:latin typeface="Calibri" panose="020F0502020204030204" pitchFamily="34" charset="0"/>
+                          <a:cs typeface="Calibri" panose="020F0502020204030204" pitchFamily="34" charset="0"/>
+                        </a:rPr>
+                        <a:t>20</a:t>
+                      </a:r>
+                    </a:p>
+                  </a:txBody>
+                  <a:tcPr>
+                    <a:solidFill>
+                      <a:schemeClr val="accent4">
+                        <a:lumMod val="20000"/>
+                        <a:lumOff val="80000"/>
+                      </a:schemeClr>
+                    </a:solidFill>
+                  </a:tcPr>
+                </a:tc>
+                <a:tc>
+                  <a:txBody>
+                    <a:bodyPr/>
+                    <a:lstStyle/>
+                    <a:p>
+                      <a:r>
+                        <a:rPr lang="en-US" sz="1200" dirty="0">
+                          <a:latin typeface="Calibri" panose="020F0502020204030204" pitchFamily="34" charset="0"/>
+                          <a:cs typeface="Calibri" panose="020F0502020204030204" pitchFamily="34" charset="0"/>
+                        </a:rPr>
+                        <a:t>26"</a:t>
+                      </a:r>
+                    </a:p>
+                  </a:txBody>
+                  <a:tcPr>
+                    <a:solidFill>
+                      <a:schemeClr val="accent4">
+                        <a:lumMod val="20000"/>
+                        <a:lumOff val="80000"/>
+                      </a:schemeClr>
+                    </a:solidFill>
+                  </a:tcPr>
+                </a:tc>
+                <a:tc>
+                  <a:txBody>
+                    <a:bodyPr/>
+                    <a:lstStyle/>
+                    <a:p>
+                      <a:r>
+                        <a:rPr lang="en-US" sz="1200" dirty="0">
+                          <a:latin typeface="Calibri" panose="020F0502020204030204" pitchFamily="34" charset="0"/>
+                          <a:cs typeface="Calibri" panose="020F0502020204030204" pitchFamily="34" charset="0"/>
+                        </a:rPr>
+                        <a:t>$2.1K</a:t>
+                      </a:r>
+                    </a:p>
+                  </a:txBody>
+                  <a:tcPr>
+                    <a:solidFill>
+                      <a:schemeClr val="accent4">
+                        <a:lumMod val="20000"/>
+                        <a:lumOff val="80000"/>
+                      </a:schemeClr>
+                    </a:solidFill>
+                  </a:tcPr>
+                </a:tc>
+                <a:tc>
+                  <a:txBody>
+                    <a:bodyPr/>
+                    <a:lstStyle/>
+                    <a:p>
+                      <a:r>
+                        <a:rPr lang="en-US" sz="1200" dirty="0">
+                          <a:latin typeface="Calibri" panose="020F0502020204030204" pitchFamily="34" charset="0"/>
+                          <a:cs typeface="Calibri" panose="020F0502020204030204" pitchFamily="34" charset="0"/>
+                        </a:rPr>
+                        <a:t>HV20-4 : </a:t>
+                      </a:r>
+                    </a:p>
+                    <a:p>
+                      <a:r>
+                        <a:rPr lang="en-US" sz="1200" dirty="0">
+                          <a:latin typeface="Calibri" panose="020F0502020204030204" pitchFamily="34" charset="0"/>
+                          <a:cs typeface="Calibri" panose="020F0502020204030204" pitchFamily="34" charset="0"/>
+                        </a:rPr>
+                        <a:t>H + V</a:t>
+                      </a:r>
+                    </a:p>
+                  </a:txBody>
+                  <a:tcPr>
+                    <a:solidFill>
+                      <a:schemeClr val="accent4">
+                        <a:lumMod val="20000"/>
+                        <a:lumOff val="80000"/>
+                      </a:schemeClr>
+                    </a:solidFill>
+                  </a:tcPr>
+                </a:tc>
+                <a:extLst>
+                  <a:ext uri="{0D108BD9-81ED-4DB2-BD59-A6C34878D82A}">
+                    <a16:rowId xmlns:a16="http://schemas.microsoft.com/office/drawing/2014/main" val="1099652923"/>
+                  </a:ext>
+                </a:extLst>
+              </a:tr>
+              <a:tr h="449371">
+                <a:tc>
+                  <a:txBody>
+                    <a:bodyPr/>
+                    <a:lstStyle/>
+                    <a:p>
+                      <a:r>
+                        <a:rPr lang="en-US" sz="1200" dirty="0">
+                          <a:latin typeface="Calibri" panose="020F0502020204030204" pitchFamily="34" charset="0"/>
+                          <a:cs typeface="Calibri" panose="020F0502020204030204" pitchFamily="34" charset="0"/>
+                        </a:rPr>
+                        <a:t>NorthStar Horizontal/Vertical Log Splitter</a:t>
+                      </a:r>
+                    </a:p>
+                  </a:txBody>
+                  <a:tcPr/>
+                </a:tc>
+                <a:tc>
+                  <a:txBody>
+                    <a:bodyPr/>
+                    <a:lstStyle/>
+                    <a:p>
+                      <a:r>
+                        <a:rPr lang="en-US" sz="1200" dirty="0">
+                          <a:latin typeface="Calibri" panose="020F0502020204030204" pitchFamily="34" charset="0"/>
+                          <a:cs typeface="Calibri" panose="020F0502020204030204" pitchFamily="34" charset="0"/>
+                        </a:rPr>
+                        <a:t>gas</a:t>
+                      </a:r>
+                    </a:p>
+                  </a:txBody>
+                  <a:tcPr/>
+                </a:tc>
+                <a:tc>
+                  <a:txBody>
+                    <a:bodyPr/>
+                    <a:lstStyle/>
+                    <a:p>
+                      <a:r>
+                        <a:rPr lang="en-US" sz="1200" dirty="0">
+                          <a:latin typeface="Calibri" panose="020F0502020204030204" pitchFamily="34" charset="0"/>
+                          <a:cs typeface="Calibri" panose="020F0502020204030204" pitchFamily="34" charset="0"/>
+                        </a:rPr>
+                        <a:t>24</a:t>
+                      </a:r>
+                    </a:p>
+                  </a:txBody>
+                  <a:tcPr/>
+                </a:tc>
+                <a:tc>
+                  <a:txBody>
+                    <a:bodyPr/>
+                    <a:lstStyle/>
+                    <a:p>
+                      <a:r>
+                        <a:rPr lang="en-US" sz="1200" dirty="0">
+                          <a:latin typeface="Calibri" panose="020F0502020204030204" pitchFamily="34" charset="0"/>
+                          <a:cs typeface="Calibri" panose="020F0502020204030204" pitchFamily="34" charset="0"/>
+                        </a:rPr>
+                        <a:t>25"</a:t>
+                      </a:r>
+                    </a:p>
+                  </a:txBody>
+                  <a:tcPr/>
+                </a:tc>
+                <a:tc>
+                  <a:txBody>
+                    <a:bodyPr/>
+                    <a:lstStyle/>
+                    <a:p>
+                      <a:r>
+                        <a:rPr lang="en-US" sz="1200" dirty="0">
+                          <a:latin typeface="Calibri" panose="020F0502020204030204" pitchFamily="34" charset="0"/>
+                          <a:cs typeface="Calibri" panose="020F0502020204030204" pitchFamily="34" charset="0"/>
+                        </a:rPr>
+                        <a:t>$1.7K</a:t>
+                      </a:r>
+                    </a:p>
+                  </a:txBody>
+                  <a:tcPr/>
+                </a:tc>
+                <a:tc>
+                  <a:txBody>
+                    <a:bodyPr/>
+                    <a:lstStyle/>
+                    <a:p>
+                      <a:r>
+                        <a:rPr lang="en-US" sz="1200" dirty="0">
+                          <a:latin typeface="Calibri" panose="020F0502020204030204" pitchFamily="34" charset="0"/>
+                          <a:cs typeface="Calibri" panose="020F0502020204030204" pitchFamily="34" charset="0"/>
+                        </a:rPr>
+                        <a:t>H+V</a:t>
+                      </a:r>
+                    </a:p>
+                  </a:txBody>
+                  <a:tcPr/>
+                </a:tc>
+                <a:extLst>
+                  <a:ext uri="{0D108BD9-81ED-4DB2-BD59-A6C34878D82A}">
+                    <a16:rowId xmlns:a16="http://schemas.microsoft.com/office/drawing/2014/main" val="3601760704"/>
+                  </a:ext>
+                </a:extLst>
+              </a:tr>
+              <a:tr h="449371">
+                <a:tc>
+                  <a:txBody>
+                    <a:bodyPr/>
+                    <a:lstStyle/>
+                    <a:p>
+                      <a:r>
+                        <a:rPr lang="en-US" sz="1200" dirty="0">
+                          <a:latin typeface="Calibri" panose="020F0502020204030204" pitchFamily="34" charset="0"/>
+                          <a:cs typeface="Calibri" panose="020F0502020204030204" pitchFamily="34" charset="0"/>
+                        </a:rPr>
+                        <a:t>Oregon 25-Ton 208cc Briggs &amp; Stratton Horizontal / Vertical Log Splitter OR25TBS-1</a:t>
+                      </a:r>
+                    </a:p>
+                  </a:txBody>
+                  <a:tcPr/>
+                </a:tc>
+                <a:tc>
+                  <a:txBody>
+                    <a:bodyPr/>
+                    <a:lstStyle/>
+                    <a:p>
+                      <a:r>
+                        <a:rPr lang="en-US" sz="1200" dirty="0">
+                          <a:latin typeface="Calibri" panose="020F0502020204030204" pitchFamily="34" charset="0"/>
+                          <a:cs typeface="Calibri" panose="020F0502020204030204" pitchFamily="34" charset="0"/>
+                        </a:rPr>
+                        <a:t>gas</a:t>
+                      </a:r>
+                    </a:p>
+                  </a:txBody>
+                  <a:tcPr/>
+                </a:tc>
+                <a:tc>
+                  <a:txBody>
+                    <a:bodyPr/>
+                    <a:lstStyle/>
+                    <a:p>
+                      <a:r>
+                        <a:rPr lang="en-US" sz="1200" dirty="0">
+                          <a:latin typeface="Calibri" panose="020F0502020204030204" pitchFamily="34" charset="0"/>
+                          <a:cs typeface="Calibri" panose="020F0502020204030204" pitchFamily="34" charset="0"/>
+                        </a:rPr>
+                        <a:t>25</a:t>
+                      </a:r>
+                    </a:p>
+                  </a:txBody>
+                  <a:tcPr/>
+                </a:tc>
+                <a:tc>
+                  <a:txBody>
+                    <a:bodyPr/>
+                    <a:lstStyle/>
+                    <a:p>
+                      <a:r>
+                        <a:rPr lang="en-US" sz="1200" dirty="0">
+                          <a:latin typeface="Calibri" panose="020F0502020204030204" pitchFamily="34" charset="0"/>
+                          <a:cs typeface="Calibri" panose="020F0502020204030204" pitchFamily="34" charset="0"/>
+                        </a:rPr>
+                        <a:t>25.5"</a:t>
+                      </a:r>
+                    </a:p>
+                  </a:txBody>
+                  <a:tcPr/>
+                </a:tc>
+                <a:tc>
+                  <a:txBody>
+                    <a:bodyPr/>
+                    <a:lstStyle/>
+                    <a:p>
+                      <a:r>
+                        <a:rPr lang="en-US" sz="1200" dirty="0">
+                          <a:latin typeface="Calibri" panose="020F0502020204030204" pitchFamily="34" charset="0"/>
+                          <a:cs typeface="Calibri" panose="020F0502020204030204" pitchFamily="34" charset="0"/>
+                        </a:rPr>
+                        <a:t>$1.6K</a:t>
+                      </a:r>
+                    </a:p>
+                  </a:txBody>
+                  <a:tcPr/>
+                </a:tc>
+                <a:tc>
+                  <a:txBody>
+                    <a:bodyPr/>
+                    <a:lstStyle/>
+                    <a:p>
+                      <a:endParaRPr lang="en-US" sz="1200" dirty="0">
+                        <a:latin typeface="Calibri" panose="020F0502020204030204" pitchFamily="34" charset="0"/>
+                        <a:cs typeface="Calibri" panose="020F0502020204030204" pitchFamily="34" charset="0"/>
+                      </a:endParaRPr>
+                    </a:p>
+                  </a:txBody>
+                  <a:tcPr/>
+                </a:tc>
+                <a:extLst>
+                  <a:ext uri="{0D108BD9-81ED-4DB2-BD59-A6C34878D82A}">
+                    <a16:rowId xmlns:a16="http://schemas.microsoft.com/office/drawing/2014/main" val="3188482706"/>
+                  </a:ext>
+                </a:extLst>
+              </a:tr>
+            </a:tbl>
+          </a:graphicData>
+        </a:graphic>
+      </p:graphicFrame>
       <p:pic>
         <p:nvPicPr>
-          <p:cNvPr id="2" name="Picture 1">
-            <a:extLst>
-              <a:ext uri="{FF2B5EF4-FFF2-40B4-BE49-F238E27FC236}">
-                <a16:creationId xmlns:a16="http://schemas.microsoft.com/office/drawing/2014/main" id="{906B216E-B8F9-F30A-8A29-4C0F002BE577}"/>
+          <p:cNvPr id="3" name="Picture 2">
+            <a:extLst>
+              <a:ext uri="{FF2B5EF4-FFF2-40B4-BE49-F238E27FC236}">
+                <a16:creationId xmlns:a16="http://schemas.microsoft.com/office/drawing/2014/main" id="{344F08BE-1582-1D32-E92A-E8AFA2C62F3B}"/>
               </a:ext>
             </a:extLst>
           </p:cNvPr>
@@ -3717,400 +5393,18 @@
         </p:blipFill>
         <p:spPr>
           <a:xfrm>
-            <a:off x="5882989" y="1586208"/>
-            <a:ext cx="2863026" cy="1582645"/>
+            <a:off x="8676591" y="4368799"/>
+            <a:ext cx="2624292" cy="1914271"/>
           </a:xfrm>
           <a:prstGeom prst="rect">
             <a:avLst/>
           </a:prstGeom>
         </p:spPr>
       </p:pic>
-      <p:pic>
-        <p:nvPicPr>
-          <p:cNvPr id="3" name="Picture 2">
-            <a:extLst>
-              <a:ext uri="{FF2B5EF4-FFF2-40B4-BE49-F238E27FC236}">
-                <a16:creationId xmlns:a16="http://schemas.microsoft.com/office/drawing/2014/main" id="{80102615-A460-0BC4-4287-C603ED763DB5}"/>
-              </a:ext>
-            </a:extLst>
-          </p:cNvPr>
-          <p:cNvPicPr>
-            <a:picLocks noChangeAspect="1"/>
-          </p:cNvPicPr>
-          <p:nvPr/>
-        </p:nvPicPr>
-        <p:blipFill>
-          <a:blip r:embed="rId3" cstate="email">
-            <a:extLst>
-              <a:ext uri="{28A0092B-C50C-407E-A947-70E740481C1C}">
-                <a14:useLocalDpi xmlns:a14="http://schemas.microsoft.com/office/drawing/2010/main"/>
-              </a:ext>
-            </a:extLst>
-          </a:blip>
-          <a:stretch>
-            <a:fillRect/>
-          </a:stretch>
-        </p:blipFill>
-        <p:spPr>
-          <a:xfrm>
-            <a:off x="5882989" y="3288424"/>
-            <a:ext cx="2863026" cy="1582645"/>
-          </a:xfrm>
-          <a:prstGeom prst="rect">
-            <a:avLst/>
-          </a:prstGeom>
-        </p:spPr>
-      </p:pic>
-      <p:pic>
-        <p:nvPicPr>
-          <p:cNvPr id="4" name="Picture 3">
-            <a:extLst>
-              <a:ext uri="{FF2B5EF4-FFF2-40B4-BE49-F238E27FC236}">
-                <a16:creationId xmlns:a16="http://schemas.microsoft.com/office/drawing/2014/main" id="{AA94D19A-D407-723E-628A-E25561D60A15}"/>
-              </a:ext>
-            </a:extLst>
-          </p:cNvPr>
-          <p:cNvPicPr>
-            <a:picLocks noChangeAspect="1"/>
-          </p:cNvPicPr>
-          <p:nvPr/>
-        </p:nvPicPr>
-        <p:blipFill>
-          <a:blip r:embed="rId4" cstate="email">
-            <a:extLst>
-              <a:ext uri="{28A0092B-C50C-407E-A947-70E740481C1C}">
-                <a14:useLocalDpi xmlns:a14="http://schemas.microsoft.com/office/drawing/2010/main"/>
-              </a:ext>
-            </a:extLst>
-          </a:blip>
-          <a:stretch>
-            <a:fillRect/>
-          </a:stretch>
-        </p:blipFill>
-        <p:spPr>
-          <a:xfrm>
-            <a:off x="5882989" y="4990640"/>
-            <a:ext cx="2863026" cy="1582645"/>
-          </a:xfrm>
-          <a:prstGeom prst="rect">
-            <a:avLst/>
-          </a:prstGeom>
-        </p:spPr>
-      </p:pic>
-      <p:pic>
-        <p:nvPicPr>
-          <p:cNvPr id="5" name="Picture 4">
-            <a:extLst>
-              <a:ext uri="{FF2B5EF4-FFF2-40B4-BE49-F238E27FC236}">
-                <a16:creationId xmlns:a16="http://schemas.microsoft.com/office/drawing/2014/main" id="{E67BBA98-E811-6867-2AD4-299F38A33399}"/>
-              </a:ext>
-            </a:extLst>
-          </p:cNvPr>
-          <p:cNvPicPr>
-            <a:picLocks noChangeAspect="1"/>
-          </p:cNvPicPr>
-          <p:nvPr/>
-        </p:nvPicPr>
-        <p:blipFill>
-          <a:blip r:embed="rId5" cstate="email">
-            <a:extLst>
-              <a:ext uri="{28A0092B-C50C-407E-A947-70E740481C1C}">
-                <a14:useLocalDpi xmlns:a14="http://schemas.microsoft.com/office/drawing/2010/main"/>
-              </a:ext>
-            </a:extLst>
-          </a:blip>
-          <a:stretch>
-            <a:fillRect/>
-          </a:stretch>
-        </p:blipFill>
-        <p:spPr>
-          <a:xfrm>
-            <a:off x="8967711" y="1586210"/>
-            <a:ext cx="2863025" cy="1582645"/>
-          </a:xfrm>
-          <a:prstGeom prst="rect">
-            <a:avLst/>
-          </a:prstGeom>
-        </p:spPr>
-      </p:pic>
-      <p:pic>
-        <p:nvPicPr>
-          <p:cNvPr id="6" name="Picture 5">
-            <a:extLst>
-              <a:ext uri="{FF2B5EF4-FFF2-40B4-BE49-F238E27FC236}">
-                <a16:creationId xmlns:a16="http://schemas.microsoft.com/office/drawing/2014/main" id="{AF8DD1CE-2A86-10BC-C3D2-76C58F1218A2}"/>
-              </a:ext>
-            </a:extLst>
-          </p:cNvPr>
-          <p:cNvPicPr>
-            <a:picLocks noChangeAspect="1"/>
-          </p:cNvPicPr>
-          <p:nvPr/>
-        </p:nvPicPr>
-        <p:blipFill>
-          <a:blip r:embed="rId6" cstate="email">
-            <a:extLst>
-              <a:ext uri="{28A0092B-C50C-407E-A947-70E740481C1C}">
-                <a14:useLocalDpi xmlns:a14="http://schemas.microsoft.com/office/drawing/2010/main"/>
-              </a:ext>
-            </a:extLst>
-          </a:blip>
-          <a:stretch>
-            <a:fillRect/>
-          </a:stretch>
-        </p:blipFill>
-        <p:spPr>
-          <a:xfrm>
-            <a:off x="8967711" y="3288425"/>
-            <a:ext cx="2863026" cy="1582645"/>
-          </a:xfrm>
-          <a:prstGeom prst="rect">
-            <a:avLst/>
-          </a:prstGeom>
-        </p:spPr>
-      </p:pic>
-      <p:pic>
-        <p:nvPicPr>
-          <p:cNvPr id="7" name="Picture 6">
-            <a:extLst>
-              <a:ext uri="{FF2B5EF4-FFF2-40B4-BE49-F238E27FC236}">
-                <a16:creationId xmlns:a16="http://schemas.microsoft.com/office/drawing/2014/main" id="{942C22DD-13F2-5100-7C61-ECE710858B84}"/>
-              </a:ext>
-            </a:extLst>
-          </p:cNvPr>
-          <p:cNvPicPr>
-            <a:picLocks noChangeAspect="1"/>
-          </p:cNvPicPr>
-          <p:nvPr/>
-        </p:nvPicPr>
-        <p:blipFill>
-          <a:blip r:embed="rId7" cstate="email">
-            <a:extLst>
-              <a:ext uri="{28A0092B-C50C-407E-A947-70E740481C1C}">
-                <a14:useLocalDpi xmlns:a14="http://schemas.microsoft.com/office/drawing/2010/main"/>
-              </a:ext>
-            </a:extLst>
-          </a:blip>
-          <a:stretch>
-            <a:fillRect/>
-          </a:stretch>
-        </p:blipFill>
-        <p:spPr>
-          <a:xfrm>
-            <a:off x="8967713" y="4990640"/>
-            <a:ext cx="2863025" cy="1582645"/>
-          </a:xfrm>
-          <a:prstGeom prst="rect">
-            <a:avLst/>
-          </a:prstGeom>
-        </p:spPr>
-      </p:pic>
-      <p:sp>
-        <p:nvSpPr>
-          <p:cNvPr id="8" name="TextBox 7">
-            <a:extLst>
-              <a:ext uri="{FF2B5EF4-FFF2-40B4-BE49-F238E27FC236}">
-                <a16:creationId xmlns:a16="http://schemas.microsoft.com/office/drawing/2014/main" id="{01D141E4-E613-1381-3F34-350329F8B271}"/>
-              </a:ext>
-            </a:extLst>
-          </p:cNvPr>
-          <p:cNvSpPr txBox="1"/>
-          <p:nvPr/>
-        </p:nvSpPr>
-        <p:spPr>
-          <a:xfrm>
-            <a:off x="6958593" y="741593"/>
-            <a:ext cx="4362679" cy="523220"/>
-          </a:xfrm>
-          <a:prstGeom prst="rect">
-            <a:avLst/>
-          </a:prstGeom>
-          <a:noFill/>
-        </p:spPr>
-        <p:txBody>
-          <a:bodyPr wrap="square" rtlCol="0">
-            <a:spAutoFit/>
-          </a:bodyPr>
-          <a:lstStyle/>
-          <a:p>
-            <a:pPr marL="285750" indent="-285750">
-              <a:buFont typeface="Arial" panose="020B0604020202020204" pitchFamily="34" charset="0"/>
-              <a:buChar char="•"/>
-            </a:pPr>
-            <a:r>
-              <a:rPr lang="en-US" sz="1400">
-                <a:hlinkClick r:id="rId8"/>
-              </a:rPr>
-              <a:t>https://www.youtube.com/watch?v=7txUWFFHkBc</a:t>
-            </a:r>
-            <a:endParaRPr lang="en-US" sz="1400"/>
-          </a:p>
-          <a:p>
-            <a:pPr marL="285750" indent="-285750">
-              <a:buFont typeface="Arial" panose="020B0604020202020204" pitchFamily="34" charset="0"/>
-              <a:buChar char="•"/>
-            </a:pPr>
-            <a:r>
-              <a:rPr lang="en-US" sz="1400">
-                <a:hlinkClick r:id="rId9"/>
-              </a:rPr>
-              <a:t>https://www.youtube.com/watch?v=wd_E9VhSfSg</a:t>
-            </a:r>
-            <a:endParaRPr lang="en-US" sz="1400"/>
-          </a:p>
-        </p:txBody>
-      </p:sp>
-      <p:sp>
-        <p:nvSpPr>
-          <p:cNvPr id="9" name="TextBox 8">
-            <a:extLst>
-              <a:ext uri="{FF2B5EF4-FFF2-40B4-BE49-F238E27FC236}">
-                <a16:creationId xmlns:a16="http://schemas.microsoft.com/office/drawing/2014/main" id="{5BADFF37-24A8-B407-EE91-AD135CDC10D8}"/>
-              </a:ext>
-            </a:extLst>
-          </p:cNvPr>
-          <p:cNvSpPr txBox="1"/>
-          <p:nvPr/>
-        </p:nvSpPr>
-        <p:spPr>
-          <a:xfrm>
-            <a:off x="-1" y="0"/>
-            <a:ext cx="4583017" cy="523220"/>
-          </a:xfrm>
-          <a:prstGeom prst="rect">
-            <a:avLst/>
-          </a:prstGeom>
-          <a:noFill/>
-        </p:spPr>
-        <p:txBody>
-          <a:bodyPr wrap="square" rtlCol="0">
-            <a:spAutoFit/>
-          </a:bodyPr>
-          <a:lstStyle/>
-          <a:p>
-            <a:r>
-              <a:rPr lang="en-US" sz="2800" b="1" dirty="0" err="1"/>
-              <a:t>Maunual</a:t>
-            </a:r>
-            <a:r>
-              <a:rPr lang="en-US" sz="2800" b="1" dirty="0"/>
-              <a:t> Firewood Splitter</a:t>
-            </a:r>
-          </a:p>
-        </p:txBody>
-      </p:sp>
-      <p:pic>
-        <p:nvPicPr>
-          <p:cNvPr id="12" name="Picture 11">
-            <a:extLst>
-              <a:ext uri="{FF2B5EF4-FFF2-40B4-BE49-F238E27FC236}">
-                <a16:creationId xmlns:a16="http://schemas.microsoft.com/office/drawing/2014/main" id="{B91F8582-0B59-5EA2-9D1A-C7C3D0662FBC}"/>
-              </a:ext>
-            </a:extLst>
-          </p:cNvPr>
-          <p:cNvPicPr>
-            <a:picLocks noChangeAspect="1"/>
-          </p:cNvPicPr>
-          <p:nvPr/>
-        </p:nvPicPr>
-        <p:blipFill>
-          <a:blip r:embed="rId10" cstate="email">
-            <a:extLst>
-              <a:ext uri="{28A0092B-C50C-407E-A947-70E740481C1C}">
-                <a14:useLocalDpi xmlns:a14="http://schemas.microsoft.com/office/drawing/2010/main"/>
-              </a:ext>
-            </a:extLst>
-          </a:blip>
-          <a:stretch>
-            <a:fillRect/>
-          </a:stretch>
-        </p:blipFill>
-        <p:spPr>
-          <a:xfrm>
-            <a:off x="361263" y="1586208"/>
-            <a:ext cx="1759857" cy="2136365"/>
-          </a:xfrm>
-          <a:prstGeom prst="rect">
-            <a:avLst/>
-          </a:prstGeom>
-        </p:spPr>
-      </p:pic>
-      <p:sp>
-        <p:nvSpPr>
-          <p:cNvPr id="13" name="TextBox 12">
-            <a:extLst>
-              <a:ext uri="{FF2B5EF4-FFF2-40B4-BE49-F238E27FC236}">
-                <a16:creationId xmlns:a16="http://schemas.microsoft.com/office/drawing/2014/main" id="{3D9DEEA8-6FAE-6DC1-D6B0-79A4E137CF96}"/>
-              </a:ext>
-            </a:extLst>
-          </p:cNvPr>
-          <p:cNvSpPr txBox="1"/>
-          <p:nvPr/>
-        </p:nvSpPr>
-        <p:spPr>
-          <a:xfrm>
-            <a:off x="250371" y="3864429"/>
-            <a:ext cx="3603172" cy="738664"/>
-          </a:xfrm>
-          <a:prstGeom prst="rect">
-            <a:avLst/>
-          </a:prstGeom>
-          <a:noFill/>
-        </p:spPr>
-        <p:txBody>
-          <a:bodyPr wrap="square" rtlCol="0">
-            <a:spAutoFit/>
-          </a:bodyPr>
-          <a:lstStyle/>
-          <a:p>
-            <a:r>
-              <a:rPr lang="en-US" sz="1400" dirty="0"/>
-              <a:t>10 Ton Horizontal Log Splitter Wood Cutter Manual Hydraulic 2 Speed</a:t>
-            </a:r>
-          </a:p>
-          <a:p>
-            <a:r>
-              <a:rPr lang="en-US" sz="1400" dirty="0"/>
-              <a:t>.. </a:t>
-            </a:r>
-            <a:r>
-              <a:rPr lang="en-US" sz="1400" dirty="0">
-                <a:hlinkClick r:id="rId11"/>
-              </a:rPr>
-              <a:t>https://</a:t>
-            </a:r>
-            <a:r>
-              <a:rPr lang="en-US" sz="1400" dirty="0" err="1">
-                <a:hlinkClick r:id="rId11"/>
-              </a:rPr>
-              <a:t>www.amazon.com</a:t>
-            </a:r>
-            <a:r>
-              <a:rPr lang="en-US" sz="1400" dirty="0">
-                <a:hlinkClick r:id="rId11"/>
-              </a:rPr>
-              <a:t>/</a:t>
-            </a:r>
-            <a:r>
-              <a:rPr lang="en-US" sz="1400" dirty="0" err="1">
-                <a:hlinkClick r:id="rId11"/>
-              </a:rPr>
-              <a:t>dp</a:t>
-            </a:r>
-            <a:r>
-              <a:rPr lang="en-US" sz="1400" dirty="0">
-                <a:hlinkClick r:id="rId11"/>
-              </a:rPr>
-              <a:t>/B006ZBCB3M</a:t>
-            </a:r>
-            <a:endParaRPr lang="en-US" sz="1400" dirty="0"/>
-          </a:p>
-        </p:txBody>
-      </p:sp>
     </p:spTree>
     <p:extLst>
       <p:ext uri="{BB962C8B-B14F-4D97-AF65-F5344CB8AC3E}">
-        <p14:creationId xmlns:p14="http://schemas.microsoft.com/office/powerpoint/2010/main" val="1817094962"/>
+        <p14:creationId xmlns:p14="http://schemas.microsoft.com/office/powerpoint/2010/main" val="2966814005"/>
       </p:ext>
     </p:extLst>
   </p:cSld>
@@ -4139,6 +5433,454 @@
       </p:grpSpPr>
       <p:pic>
         <p:nvPicPr>
+          <p:cNvPr id="2" name="Picture 1">
+            <a:extLst>
+              <a:ext uri="{FF2B5EF4-FFF2-40B4-BE49-F238E27FC236}">
+                <a16:creationId xmlns:a16="http://schemas.microsoft.com/office/drawing/2014/main" id="{906B216E-B8F9-F30A-8A29-4C0F002BE577}"/>
+              </a:ext>
+            </a:extLst>
+          </p:cNvPr>
+          <p:cNvPicPr>
+            <a:picLocks noChangeAspect="1"/>
+          </p:cNvPicPr>
+          <p:nvPr/>
+        </p:nvPicPr>
+        <p:blipFill>
+          <a:blip r:embed="rId2" cstate="email">
+            <a:extLst>
+              <a:ext uri="{28A0092B-C50C-407E-A947-70E740481C1C}">
+                <a14:useLocalDpi xmlns:a14="http://schemas.microsoft.com/office/drawing/2010/main"/>
+              </a:ext>
+            </a:extLst>
+          </a:blip>
+          <a:stretch>
+            <a:fillRect/>
+          </a:stretch>
+        </p:blipFill>
+        <p:spPr>
+          <a:xfrm>
+            <a:off x="5882989" y="1586208"/>
+            <a:ext cx="2863026" cy="1582645"/>
+          </a:xfrm>
+          <a:prstGeom prst="rect">
+            <a:avLst/>
+          </a:prstGeom>
+        </p:spPr>
+      </p:pic>
+      <p:pic>
+        <p:nvPicPr>
+          <p:cNvPr id="3" name="Picture 2">
+            <a:extLst>
+              <a:ext uri="{FF2B5EF4-FFF2-40B4-BE49-F238E27FC236}">
+                <a16:creationId xmlns:a16="http://schemas.microsoft.com/office/drawing/2014/main" id="{80102615-A460-0BC4-4287-C603ED763DB5}"/>
+              </a:ext>
+            </a:extLst>
+          </p:cNvPr>
+          <p:cNvPicPr>
+            <a:picLocks noChangeAspect="1"/>
+          </p:cNvPicPr>
+          <p:nvPr/>
+        </p:nvPicPr>
+        <p:blipFill>
+          <a:blip r:embed="rId3" cstate="email">
+            <a:extLst>
+              <a:ext uri="{28A0092B-C50C-407E-A947-70E740481C1C}">
+                <a14:useLocalDpi xmlns:a14="http://schemas.microsoft.com/office/drawing/2010/main"/>
+              </a:ext>
+            </a:extLst>
+          </a:blip>
+          <a:stretch>
+            <a:fillRect/>
+          </a:stretch>
+        </p:blipFill>
+        <p:spPr>
+          <a:xfrm>
+            <a:off x="5882989" y="3288424"/>
+            <a:ext cx="2863026" cy="1582645"/>
+          </a:xfrm>
+          <a:prstGeom prst="rect">
+            <a:avLst/>
+          </a:prstGeom>
+        </p:spPr>
+      </p:pic>
+      <p:pic>
+        <p:nvPicPr>
+          <p:cNvPr id="4" name="Picture 3">
+            <a:extLst>
+              <a:ext uri="{FF2B5EF4-FFF2-40B4-BE49-F238E27FC236}">
+                <a16:creationId xmlns:a16="http://schemas.microsoft.com/office/drawing/2014/main" id="{AA94D19A-D407-723E-628A-E25561D60A15}"/>
+              </a:ext>
+            </a:extLst>
+          </p:cNvPr>
+          <p:cNvPicPr>
+            <a:picLocks noChangeAspect="1"/>
+          </p:cNvPicPr>
+          <p:nvPr/>
+        </p:nvPicPr>
+        <p:blipFill>
+          <a:blip r:embed="rId4" cstate="email">
+            <a:extLst>
+              <a:ext uri="{28A0092B-C50C-407E-A947-70E740481C1C}">
+                <a14:useLocalDpi xmlns:a14="http://schemas.microsoft.com/office/drawing/2010/main"/>
+              </a:ext>
+            </a:extLst>
+          </a:blip>
+          <a:stretch>
+            <a:fillRect/>
+          </a:stretch>
+        </p:blipFill>
+        <p:spPr>
+          <a:xfrm>
+            <a:off x="5882989" y="4990640"/>
+            <a:ext cx="2863026" cy="1582645"/>
+          </a:xfrm>
+          <a:prstGeom prst="rect">
+            <a:avLst/>
+          </a:prstGeom>
+        </p:spPr>
+      </p:pic>
+      <p:pic>
+        <p:nvPicPr>
+          <p:cNvPr id="5" name="Picture 4">
+            <a:extLst>
+              <a:ext uri="{FF2B5EF4-FFF2-40B4-BE49-F238E27FC236}">
+                <a16:creationId xmlns:a16="http://schemas.microsoft.com/office/drawing/2014/main" id="{E67BBA98-E811-6867-2AD4-299F38A33399}"/>
+              </a:ext>
+            </a:extLst>
+          </p:cNvPr>
+          <p:cNvPicPr>
+            <a:picLocks noChangeAspect="1"/>
+          </p:cNvPicPr>
+          <p:nvPr/>
+        </p:nvPicPr>
+        <p:blipFill>
+          <a:blip r:embed="rId5" cstate="email">
+            <a:extLst>
+              <a:ext uri="{28A0092B-C50C-407E-A947-70E740481C1C}">
+                <a14:useLocalDpi xmlns:a14="http://schemas.microsoft.com/office/drawing/2010/main"/>
+              </a:ext>
+            </a:extLst>
+          </a:blip>
+          <a:stretch>
+            <a:fillRect/>
+          </a:stretch>
+        </p:blipFill>
+        <p:spPr>
+          <a:xfrm>
+            <a:off x="8967711" y="1586210"/>
+            <a:ext cx="2863025" cy="1582645"/>
+          </a:xfrm>
+          <a:prstGeom prst="rect">
+            <a:avLst/>
+          </a:prstGeom>
+        </p:spPr>
+      </p:pic>
+      <p:pic>
+        <p:nvPicPr>
+          <p:cNvPr id="6" name="Picture 5">
+            <a:extLst>
+              <a:ext uri="{FF2B5EF4-FFF2-40B4-BE49-F238E27FC236}">
+                <a16:creationId xmlns:a16="http://schemas.microsoft.com/office/drawing/2014/main" id="{AF8DD1CE-2A86-10BC-C3D2-76C58F1218A2}"/>
+              </a:ext>
+            </a:extLst>
+          </p:cNvPr>
+          <p:cNvPicPr>
+            <a:picLocks noChangeAspect="1"/>
+          </p:cNvPicPr>
+          <p:nvPr/>
+        </p:nvPicPr>
+        <p:blipFill>
+          <a:blip r:embed="rId6" cstate="email">
+            <a:extLst>
+              <a:ext uri="{28A0092B-C50C-407E-A947-70E740481C1C}">
+                <a14:useLocalDpi xmlns:a14="http://schemas.microsoft.com/office/drawing/2010/main"/>
+              </a:ext>
+            </a:extLst>
+          </a:blip>
+          <a:stretch>
+            <a:fillRect/>
+          </a:stretch>
+        </p:blipFill>
+        <p:spPr>
+          <a:xfrm>
+            <a:off x="8967711" y="3288425"/>
+            <a:ext cx="2863026" cy="1582645"/>
+          </a:xfrm>
+          <a:prstGeom prst="rect">
+            <a:avLst/>
+          </a:prstGeom>
+        </p:spPr>
+      </p:pic>
+      <p:pic>
+        <p:nvPicPr>
+          <p:cNvPr id="7" name="Picture 6">
+            <a:extLst>
+              <a:ext uri="{FF2B5EF4-FFF2-40B4-BE49-F238E27FC236}">
+                <a16:creationId xmlns:a16="http://schemas.microsoft.com/office/drawing/2014/main" id="{942C22DD-13F2-5100-7C61-ECE710858B84}"/>
+              </a:ext>
+            </a:extLst>
+          </p:cNvPr>
+          <p:cNvPicPr>
+            <a:picLocks noChangeAspect="1"/>
+          </p:cNvPicPr>
+          <p:nvPr/>
+        </p:nvPicPr>
+        <p:blipFill>
+          <a:blip r:embed="rId7" cstate="email">
+            <a:extLst>
+              <a:ext uri="{28A0092B-C50C-407E-A947-70E740481C1C}">
+                <a14:useLocalDpi xmlns:a14="http://schemas.microsoft.com/office/drawing/2010/main"/>
+              </a:ext>
+            </a:extLst>
+          </a:blip>
+          <a:stretch>
+            <a:fillRect/>
+          </a:stretch>
+        </p:blipFill>
+        <p:spPr>
+          <a:xfrm>
+            <a:off x="8967713" y="4990640"/>
+            <a:ext cx="2863025" cy="1582645"/>
+          </a:xfrm>
+          <a:prstGeom prst="rect">
+            <a:avLst/>
+          </a:prstGeom>
+        </p:spPr>
+      </p:pic>
+      <p:sp>
+        <p:nvSpPr>
+          <p:cNvPr id="8" name="TextBox 7">
+            <a:extLst>
+              <a:ext uri="{FF2B5EF4-FFF2-40B4-BE49-F238E27FC236}">
+                <a16:creationId xmlns:a16="http://schemas.microsoft.com/office/drawing/2014/main" id="{01D141E4-E613-1381-3F34-350329F8B271}"/>
+              </a:ext>
+            </a:extLst>
+          </p:cNvPr>
+          <p:cNvSpPr txBox="1"/>
+          <p:nvPr/>
+        </p:nvSpPr>
+        <p:spPr>
+          <a:xfrm>
+            <a:off x="6958593" y="741593"/>
+            <a:ext cx="4362679" cy="523220"/>
+          </a:xfrm>
+          <a:prstGeom prst="rect">
+            <a:avLst/>
+          </a:prstGeom>
+          <a:noFill/>
+        </p:spPr>
+        <p:txBody>
+          <a:bodyPr wrap="square" rtlCol="0">
+            <a:spAutoFit/>
+          </a:bodyPr>
+          <a:lstStyle/>
+          <a:p>
+            <a:pPr marL="285750" indent="-285750">
+              <a:buFont typeface="Arial" panose="020B0604020202020204" pitchFamily="34" charset="0"/>
+              <a:buChar char="•"/>
+            </a:pPr>
+            <a:r>
+              <a:rPr lang="en-US" sz="1400">
+                <a:hlinkClick r:id="rId8"/>
+              </a:rPr>
+              <a:t>https://www.youtube.com/watch?v=7txUWFFHkBc</a:t>
+            </a:r>
+            <a:endParaRPr lang="en-US" sz="1400"/>
+          </a:p>
+          <a:p>
+            <a:pPr marL="285750" indent="-285750">
+              <a:buFont typeface="Arial" panose="020B0604020202020204" pitchFamily="34" charset="0"/>
+              <a:buChar char="•"/>
+            </a:pPr>
+            <a:r>
+              <a:rPr lang="en-US" sz="1400">
+                <a:hlinkClick r:id="rId9"/>
+              </a:rPr>
+              <a:t>https://www.youtube.com/watch?v=wd_E9VhSfSg</a:t>
+            </a:r>
+            <a:endParaRPr lang="en-US" sz="1400"/>
+          </a:p>
+        </p:txBody>
+      </p:sp>
+      <p:sp>
+        <p:nvSpPr>
+          <p:cNvPr id="9" name="TextBox 8">
+            <a:extLst>
+              <a:ext uri="{FF2B5EF4-FFF2-40B4-BE49-F238E27FC236}">
+                <a16:creationId xmlns:a16="http://schemas.microsoft.com/office/drawing/2014/main" id="{5BADFF37-24A8-B407-EE91-AD135CDC10D8}"/>
+              </a:ext>
+            </a:extLst>
+          </p:cNvPr>
+          <p:cNvSpPr txBox="1"/>
+          <p:nvPr/>
+        </p:nvSpPr>
+        <p:spPr>
+          <a:xfrm>
+            <a:off x="-1" y="0"/>
+            <a:ext cx="4583017" cy="523220"/>
+          </a:xfrm>
+          <a:prstGeom prst="rect">
+            <a:avLst/>
+          </a:prstGeom>
+          <a:noFill/>
+        </p:spPr>
+        <p:txBody>
+          <a:bodyPr wrap="square" rtlCol="0">
+            <a:spAutoFit/>
+          </a:bodyPr>
+          <a:lstStyle/>
+          <a:p>
+            <a:r>
+              <a:rPr lang="en-US" sz="2800" b="1" dirty="0" err="1"/>
+              <a:t>Maunual</a:t>
+            </a:r>
+            <a:r>
+              <a:rPr lang="en-US" sz="2800" b="1" dirty="0"/>
+              <a:t> Firewood Splitter</a:t>
+            </a:r>
+          </a:p>
+        </p:txBody>
+      </p:sp>
+      <p:pic>
+        <p:nvPicPr>
+          <p:cNvPr id="12" name="Picture 11">
+            <a:extLst>
+              <a:ext uri="{FF2B5EF4-FFF2-40B4-BE49-F238E27FC236}">
+                <a16:creationId xmlns:a16="http://schemas.microsoft.com/office/drawing/2014/main" id="{B91F8582-0B59-5EA2-9D1A-C7C3D0662FBC}"/>
+              </a:ext>
+            </a:extLst>
+          </p:cNvPr>
+          <p:cNvPicPr>
+            <a:picLocks noChangeAspect="1"/>
+          </p:cNvPicPr>
+          <p:nvPr/>
+        </p:nvPicPr>
+        <p:blipFill>
+          <a:blip r:embed="rId10" cstate="email">
+            <a:extLst>
+              <a:ext uri="{28A0092B-C50C-407E-A947-70E740481C1C}">
+                <a14:useLocalDpi xmlns:a14="http://schemas.microsoft.com/office/drawing/2010/main"/>
+              </a:ext>
+            </a:extLst>
+          </a:blip>
+          <a:stretch>
+            <a:fillRect/>
+          </a:stretch>
+        </p:blipFill>
+        <p:spPr>
+          <a:xfrm>
+            <a:off x="361263" y="1586208"/>
+            <a:ext cx="1759857" cy="2136365"/>
+          </a:xfrm>
+          <a:prstGeom prst="rect">
+            <a:avLst/>
+          </a:prstGeom>
+        </p:spPr>
+      </p:pic>
+      <p:sp>
+        <p:nvSpPr>
+          <p:cNvPr id="13" name="TextBox 12">
+            <a:extLst>
+              <a:ext uri="{FF2B5EF4-FFF2-40B4-BE49-F238E27FC236}">
+                <a16:creationId xmlns:a16="http://schemas.microsoft.com/office/drawing/2014/main" id="{3D9DEEA8-6FAE-6DC1-D6B0-79A4E137CF96}"/>
+              </a:ext>
+            </a:extLst>
+          </p:cNvPr>
+          <p:cNvSpPr txBox="1"/>
+          <p:nvPr/>
+        </p:nvSpPr>
+        <p:spPr>
+          <a:xfrm>
+            <a:off x="250371" y="3864429"/>
+            <a:ext cx="3603172" cy="738664"/>
+          </a:xfrm>
+          <a:prstGeom prst="rect">
+            <a:avLst/>
+          </a:prstGeom>
+          <a:noFill/>
+        </p:spPr>
+        <p:txBody>
+          <a:bodyPr wrap="square" rtlCol="0">
+            <a:spAutoFit/>
+          </a:bodyPr>
+          <a:lstStyle/>
+          <a:p>
+            <a:r>
+              <a:rPr lang="en-US" sz="1400" dirty="0"/>
+              <a:t>10 Ton Horizontal Log Splitter Wood Cutter Manual Hydraulic 2 Speed</a:t>
+            </a:r>
+          </a:p>
+          <a:p>
+            <a:r>
+              <a:rPr lang="en-US" sz="1400" dirty="0"/>
+              <a:t>.. </a:t>
+            </a:r>
+            <a:r>
+              <a:rPr lang="en-US" sz="1400" dirty="0">
+                <a:hlinkClick r:id="rId11"/>
+              </a:rPr>
+              <a:t>https://</a:t>
+            </a:r>
+            <a:r>
+              <a:rPr lang="en-US" sz="1400" dirty="0" err="1">
+                <a:hlinkClick r:id="rId11"/>
+              </a:rPr>
+              <a:t>www.amazon.com</a:t>
+            </a:r>
+            <a:r>
+              <a:rPr lang="en-US" sz="1400" dirty="0">
+                <a:hlinkClick r:id="rId11"/>
+              </a:rPr>
+              <a:t>/</a:t>
+            </a:r>
+            <a:r>
+              <a:rPr lang="en-US" sz="1400" dirty="0" err="1">
+                <a:hlinkClick r:id="rId11"/>
+              </a:rPr>
+              <a:t>dp</a:t>
+            </a:r>
+            <a:r>
+              <a:rPr lang="en-US" sz="1400" dirty="0">
+                <a:hlinkClick r:id="rId11"/>
+              </a:rPr>
+              <a:t>/B006ZBCB3M</a:t>
+            </a:r>
+            <a:endParaRPr lang="en-US" sz="1400" dirty="0"/>
+          </a:p>
+        </p:txBody>
+      </p:sp>
+    </p:spTree>
+    <p:extLst>
+      <p:ext uri="{BB962C8B-B14F-4D97-AF65-F5344CB8AC3E}">
+        <p14:creationId xmlns:p14="http://schemas.microsoft.com/office/powerpoint/2010/main" val="1817094962"/>
+      </p:ext>
+    </p:extLst>
+  </p:cSld>
+  <p:clrMapOvr>
+    <a:masterClrMapping/>
+  </p:clrMapOvr>
+</p:sld>
+</file>
+
+<file path=ppt/slides/slide4.xml><?xml version="1.0" encoding="utf-8"?>
+<p:sld xmlns:a="http://schemas.openxmlformats.org/drawingml/2006/main" xmlns:r="http://schemas.openxmlformats.org/officeDocument/2006/relationships" xmlns:p="http://schemas.openxmlformats.org/presentationml/2006/main">
+  <p:cSld>
+    <p:spTree>
+      <p:nvGrpSpPr>
+        <p:cNvPr id="1" name=""/>
+        <p:cNvGrpSpPr/>
+        <p:nvPr/>
+      </p:nvGrpSpPr>
+      <p:grpSpPr>
+        <a:xfrm>
+          <a:off x="0" y="0"/>
+          <a:ext cx="0" cy="0"/>
+          <a:chOff x="0" y="0"/>
+          <a:chExt cx="0" cy="0"/>
+        </a:xfrm>
+      </p:grpSpPr>
+      <p:pic>
+        <p:nvPicPr>
           <p:cNvPr id="1026" name="Picture 2" descr="Stikkan Softwood Kindling Splitter | PlowHearth">
             <a:extLst>
               <a:ext uri="{FF2B5EF4-FFF2-40B4-BE49-F238E27FC236}">
@@ -4761,7 +6503,7 @@
 </p:sld>
 </file>
 
-<file path=ppt/slides/slide4.xml><?xml version="1.0" encoding="utf-8"?>
+<file path=ppt/slides/slide5.xml><?xml version="1.0" encoding="utf-8"?>
 <p:sld xmlns:a="http://schemas.openxmlformats.org/drawingml/2006/main" xmlns:r="http://schemas.openxmlformats.org/officeDocument/2006/relationships" xmlns:p="http://schemas.openxmlformats.org/presentationml/2006/main">
   <p:cSld>
     <p:spTree>
